--- a/doc/BGP Simulator.pptx
+++ b/doc/BGP Simulator.pptx
@@ -4,6 +4,9 @@
   <p:sldMasterIdLst>
     <p:sldMasterId id="2147483648" r:id="rId1"/>
   </p:sldMasterIdLst>
+  <p:notesMasterIdLst>
+    <p:notesMasterId r:id="rId18"/>
+  </p:notesMasterIdLst>
   <p:sldIdLst>
     <p:sldId id="256" r:id="rId2"/>
     <p:sldId id="257" r:id="rId3"/>
@@ -11,6 +14,16 @@
     <p:sldId id="261" r:id="rId5"/>
     <p:sldId id="259" r:id="rId6"/>
     <p:sldId id="260" r:id="rId7"/>
+    <p:sldId id="262" r:id="rId8"/>
+    <p:sldId id="263" r:id="rId9"/>
+    <p:sldId id="264" r:id="rId10"/>
+    <p:sldId id="265" r:id="rId11"/>
+    <p:sldId id="266" r:id="rId12"/>
+    <p:sldId id="267" r:id="rId13"/>
+    <p:sldId id="268" r:id="rId14"/>
+    <p:sldId id="269" r:id="rId15"/>
+    <p:sldId id="270" r:id="rId16"/>
+    <p:sldId id="271" r:id="rId17"/>
   </p:sldIdLst>
   <p:sldSz cx="12192000" cy="6858000"/>
   <p:notesSz cx="6858000" cy="9144000"/>
@@ -109,7 +122,406 @@
       </a:defRPr>
     </a:lvl9pPr>
   </p:defaultTextStyle>
+  <p:extLst>
+    <p:ext uri="{521415D9-36F7-43E2-AB2F-B90AF26B5E84}">
+      <p14:sectionLst xmlns:p14="http://schemas.microsoft.com/office/powerpoint/2010/main">
+        <p14:section name="Default Section" id="{2F2EDC88-2217-4567-AB32-804CA67BF464}">
+          <p14:sldIdLst>
+            <p14:sldId id="256"/>
+            <p14:sldId id="257"/>
+          </p14:sldIdLst>
+        </p14:section>
+        <p14:section name="Technical specification and limitations" id="{8D022709-DA94-4104-B170-8CD4A0E2A98A}">
+          <p14:sldIdLst>
+            <p14:sldId id="258"/>
+            <p14:sldId id="261"/>
+            <p14:sldId id="259"/>
+          </p14:sldIdLst>
+        </p14:section>
+        <p14:section name="Program architecture" id="{8BEF33B7-422F-4EDA-AE30-03B2BB16B6FA}">
+          <p14:sldIdLst>
+            <p14:sldId id="260"/>
+            <p14:sldId id="262"/>
+            <p14:sldId id="263"/>
+            <p14:sldId id="264"/>
+            <p14:sldId id="265"/>
+          </p14:sldIdLst>
+        </p14:section>
+        <p14:section name="BGP session initialization" id="{97E08B5D-F747-444D-9997-1859A38F89ED}">
+          <p14:sldIdLst>
+            <p14:sldId id="266"/>
+          </p14:sldIdLst>
+        </p14:section>
+        <p14:section name="Routing engine" id="{9A08EB27-73E6-4E41-BC67-79B7076DD567}">
+          <p14:sldIdLst>
+            <p14:sldId id="267"/>
+            <p14:sldId id="268"/>
+            <p14:sldId id="269"/>
+          </p14:sldIdLst>
+        </p14:section>
+        <p14:section name="Trust engine" id="{1B719285-ADEB-472E-B06F-225FF8E70436}">
+          <p14:sldIdLst>
+            <p14:sldId id="270"/>
+            <p14:sldId id="271"/>
+          </p14:sldIdLst>
+        </p14:section>
+      </p14:sectionLst>
+    </p:ext>
+    <p:ext uri="{EFAFB233-063F-42B5-8137-9DF3F51BA10A}">
+      <p15:sldGuideLst xmlns:p15="http://schemas.microsoft.com/office/powerpoint/2012/main"/>
+    </p:ext>
+  </p:extLst>
 </p:presentation>
+</file>
+
+<file path=ppt/notesMasters/notesMaster1.xml><?xml version="1.0" encoding="utf-8"?>
+<p:notesMaster xmlns:a="http://schemas.openxmlformats.org/drawingml/2006/main" xmlns:r="http://schemas.openxmlformats.org/officeDocument/2006/relationships" xmlns:p="http://schemas.openxmlformats.org/presentationml/2006/main">
+  <p:cSld>
+    <p:bg>
+      <p:bgRef idx="1001">
+        <a:schemeClr val="bg1"/>
+      </p:bgRef>
+    </p:bg>
+    <p:spTree>
+      <p:nvGrpSpPr>
+        <p:cNvPr id="1" name=""/>
+        <p:cNvGrpSpPr/>
+        <p:nvPr/>
+      </p:nvGrpSpPr>
+      <p:grpSpPr>
+        <a:xfrm>
+          <a:off x="0" y="0"/>
+          <a:ext cx="0" cy="0"/>
+          <a:chOff x="0" y="0"/>
+          <a:chExt cx="0" cy="0"/>
+        </a:xfrm>
+      </p:grpSpPr>
+      <p:sp>
+        <p:nvSpPr>
+          <p:cNvPr id="2" name="Header Placeholder 1"/>
+          <p:cNvSpPr>
+            <a:spLocks noGrp="1"/>
+          </p:cNvSpPr>
+          <p:nvPr>
+            <p:ph type="hdr" sz="quarter"/>
+          </p:nvPr>
+        </p:nvSpPr>
+        <p:spPr>
+          <a:xfrm>
+            <a:off x="0" y="0"/>
+            <a:ext cx="2971800" cy="458788"/>
+          </a:xfrm>
+          <a:prstGeom prst="rect">
+            <a:avLst/>
+          </a:prstGeom>
+        </p:spPr>
+        <p:txBody>
+          <a:bodyPr vert="horz" lIns="91440" tIns="45720" rIns="91440" bIns="45720" rtlCol="0"/>
+          <a:lstStyle>
+            <a:lvl1pPr algn="l">
+              <a:defRPr sz="1200"/>
+            </a:lvl1pPr>
+          </a:lstStyle>
+          <a:p>
+            <a:endParaRPr lang="en-GB"/>
+          </a:p>
+        </p:txBody>
+      </p:sp>
+      <p:sp>
+        <p:nvSpPr>
+          <p:cNvPr id="3" name="Date Placeholder 2"/>
+          <p:cNvSpPr>
+            <a:spLocks noGrp="1"/>
+          </p:cNvSpPr>
+          <p:nvPr>
+            <p:ph type="dt" idx="1"/>
+          </p:nvPr>
+        </p:nvSpPr>
+        <p:spPr>
+          <a:xfrm>
+            <a:off x="3884613" y="0"/>
+            <a:ext cx="2971800" cy="458788"/>
+          </a:xfrm>
+          <a:prstGeom prst="rect">
+            <a:avLst/>
+          </a:prstGeom>
+        </p:spPr>
+        <p:txBody>
+          <a:bodyPr vert="horz" lIns="91440" tIns="45720" rIns="91440" bIns="45720" rtlCol="0"/>
+          <a:lstStyle>
+            <a:lvl1pPr algn="r">
+              <a:defRPr sz="1200"/>
+            </a:lvl1pPr>
+          </a:lstStyle>
+          <a:p>
+            <a:fld id="{6EC00837-BEEF-4277-BDA1-AFAD2839C9D8}" type="datetimeFigureOut">
+              <a:rPr lang="en-GB" smtClean="0"/>
+              <a:t>14/03/2017</a:t>
+            </a:fld>
+            <a:endParaRPr lang="en-GB"/>
+          </a:p>
+        </p:txBody>
+      </p:sp>
+      <p:sp>
+        <p:nvSpPr>
+          <p:cNvPr id="4" name="Slide Image Placeholder 3"/>
+          <p:cNvSpPr>
+            <a:spLocks noGrp="1" noRot="1" noChangeAspect="1"/>
+          </p:cNvSpPr>
+          <p:nvPr>
+            <p:ph type="sldImg" idx="2"/>
+          </p:nvPr>
+        </p:nvSpPr>
+        <p:spPr>
+          <a:xfrm>
+            <a:off x="685800" y="1143000"/>
+            <a:ext cx="5486400" cy="3086100"/>
+          </a:xfrm>
+          <a:prstGeom prst="rect">
+            <a:avLst/>
+          </a:prstGeom>
+          <a:noFill/>
+          <a:ln w="12700">
+            <a:solidFill>
+              <a:prstClr val="black"/>
+            </a:solidFill>
+          </a:ln>
+        </p:spPr>
+        <p:txBody>
+          <a:bodyPr vert="horz" lIns="91440" tIns="45720" rIns="91440" bIns="45720" rtlCol="0" anchor="ctr"/>
+          <a:lstStyle/>
+          <a:p>
+            <a:endParaRPr lang="en-GB"/>
+          </a:p>
+        </p:txBody>
+      </p:sp>
+      <p:sp>
+        <p:nvSpPr>
+          <p:cNvPr id="5" name="Notes Placeholder 4"/>
+          <p:cNvSpPr>
+            <a:spLocks noGrp="1"/>
+          </p:cNvSpPr>
+          <p:nvPr>
+            <p:ph type="body" sz="quarter" idx="3"/>
+          </p:nvPr>
+        </p:nvSpPr>
+        <p:spPr>
+          <a:xfrm>
+            <a:off x="685800" y="4400550"/>
+            <a:ext cx="5486400" cy="3600450"/>
+          </a:xfrm>
+          <a:prstGeom prst="rect">
+            <a:avLst/>
+          </a:prstGeom>
+        </p:spPr>
+        <p:txBody>
+          <a:bodyPr vert="horz" lIns="91440" tIns="45720" rIns="91440" bIns="45720" rtlCol="0"/>
+          <a:lstStyle/>
+          <a:p>
+            <a:pPr lvl="0"/>
+            <a:r>
+              <a:rPr lang="en-US"/>
+              <a:t>Edit Master text styles</a:t>
+            </a:r>
+          </a:p>
+          <a:p>
+            <a:pPr lvl="1"/>
+            <a:r>
+              <a:rPr lang="en-US"/>
+              <a:t>Second level</a:t>
+            </a:r>
+          </a:p>
+          <a:p>
+            <a:pPr lvl="2"/>
+            <a:r>
+              <a:rPr lang="en-US"/>
+              <a:t>Third level</a:t>
+            </a:r>
+          </a:p>
+          <a:p>
+            <a:pPr lvl="3"/>
+            <a:r>
+              <a:rPr lang="en-US"/>
+              <a:t>Fourth level</a:t>
+            </a:r>
+          </a:p>
+          <a:p>
+            <a:pPr lvl="4"/>
+            <a:r>
+              <a:rPr lang="en-US"/>
+              <a:t>Fifth level</a:t>
+            </a:r>
+            <a:endParaRPr lang="en-GB"/>
+          </a:p>
+        </p:txBody>
+      </p:sp>
+      <p:sp>
+        <p:nvSpPr>
+          <p:cNvPr id="6" name="Footer Placeholder 5"/>
+          <p:cNvSpPr>
+            <a:spLocks noGrp="1"/>
+          </p:cNvSpPr>
+          <p:nvPr>
+            <p:ph type="ftr" sz="quarter" idx="4"/>
+          </p:nvPr>
+        </p:nvSpPr>
+        <p:spPr>
+          <a:xfrm>
+            <a:off x="0" y="8685213"/>
+            <a:ext cx="2971800" cy="458787"/>
+          </a:xfrm>
+          <a:prstGeom prst="rect">
+            <a:avLst/>
+          </a:prstGeom>
+        </p:spPr>
+        <p:txBody>
+          <a:bodyPr vert="horz" lIns="91440" tIns="45720" rIns="91440" bIns="45720" rtlCol="0" anchor="b"/>
+          <a:lstStyle>
+            <a:lvl1pPr algn="l">
+              <a:defRPr sz="1200"/>
+            </a:lvl1pPr>
+          </a:lstStyle>
+          <a:p>
+            <a:endParaRPr lang="en-GB"/>
+          </a:p>
+        </p:txBody>
+      </p:sp>
+      <p:sp>
+        <p:nvSpPr>
+          <p:cNvPr id="7" name="Slide Number Placeholder 6"/>
+          <p:cNvSpPr>
+            <a:spLocks noGrp="1"/>
+          </p:cNvSpPr>
+          <p:nvPr>
+            <p:ph type="sldNum" sz="quarter" idx="5"/>
+          </p:nvPr>
+        </p:nvSpPr>
+        <p:spPr>
+          <a:xfrm>
+            <a:off x="3884613" y="8685213"/>
+            <a:ext cx="2971800" cy="458787"/>
+          </a:xfrm>
+          <a:prstGeom prst="rect">
+            <a:avLst/>
+          </a:prstGeom>
+        </p:spPr>
+        <p:txBody>
+          <a:bodyPr vert="horz" lIns="91440" tIns="45720" rIns="91440" bIns="45720" rtlCol="0" anchor="b"/>
+          <a:lstStyle>
+            <a:lvl1pPr algn="r">
+              <a:defRPr sz="1200"/>
+            </a:lvl1pPr>
+          </a:lstStyle>
+          <a:p>
+            <a:fld id="{7EF7F41A-CD39-4D1C-9B38-72ED9723662D}" type="slidenum">
+              <a:rPr lang="en-GB" smtClean="0"/>
+              <a:t>‹#›</a:t>
+            </a:fld>
+            <a:endParaRPr lang="en-GB"/>
+          </a:p>
+        </p:txBody>
+      </p:sp>
+    </p:spTree>
+    <p:extLst>
+      <p:ext uri="{BB962C8B-B14F-4D97-AF65-F5344CB8AC3E}">
+        <p14:creationId xmlns:p14="http://schemas.microsoft.com/office/powerpoint/2010/main" val="1550269505"/>
+      </p:ext>
+    </p:extLst>
+  </p:cSld>
+  <p:clrMap bg1="lt1" tx1="dk1" bg2="lt2" tx2="dk2" accent1="accent1" accent2="accent2" accent3="accent3" accent4="accent4" accent5="accent5" accent6="accent6" hlink="hlink" folHlink="folHlink"/>
+  <p:notesStyle>
+    <a:lvl1pPr marL="0" algn="l" defTabSz="914400" rtl="0" eaLnBrk="1" latinLnBrk="0" hangingPunct="1">
+      <a:defRPr sz="1200" kern="1200">
+        <a:solidFill>
+          <a:schemeClr val="tx1"/>
+        </a:solidFill>
+        <a:latin typeface="+mn-lt"/>
+        <a:ea typeface="+mn-ea"/>
+        <a:cs typeface="+mn-cs"/>
+      </a:defRPr>
+    </a:lvl1pPr>
+    <a:lvl2pPr marL="457200" algn="l" defTabSz="914400" rtl="0" eaLnBrk="1" latinLnBrk="0" hangingPunct="1">
+      <a:defRPr sz="1200" kern="1200">
+        <a:solidFill>
+          <a:schemeClr val="tx1"/>
+        </a:solidFill>
+        <a:latin typeface="+mn-lt"/>
+        <a:ea typeface="+mn-ea"/>
+        <a:cs typeface="+mn-cs"/>
+      </a:defRPr>
+    </a:lvl2pPr>
+    <a:lvl3pPr marL="914400" algn="l" defTabSz="914400" rtl="0" eaLnBrk="1" latinLnBrk="0" hangingPunct="1">
+      <a:defRPr sz="1200" kern="1200">
+        <a:solidFill>
+          <a:schemeClr val="tx1"/>
+        </a:solidFill>
+        <a:latin typeface="+mn-lt"/>
+        <a:ea typeface="+mn-ea"/>
+        <a:cs typeface="+mn-cs"/>
+      </a:defRPr>
+    </a:lvl3pPr>
+    <a:lvl4pPr marL="1371600" algn="l" defTabSz="914400" rtl="0" eaLnBrk="1" latinLnBrk="0" hangingPunct="1">
+      <a:defRPr sz="1200" kern="1200">
+        <a:solidFill>
+          <a:schemeClr val="tx1"/>
+        </a:solidFill>
+        <a:latin typeface="+mn-lt"/>
+        <a:ea typeface="+mn-ea"/>
+        <a:cs typeface="+mn-cs"/>
+      </a:defRPr>
+    </a:lvl4pPr>
+    <a:lvl5pPr marL="1828800" algn="l" defTabSz="914400" rtl="0" eaLnBrk="1" latinLnBrk="0" hangingPunct="1">
+      <a:defRPr sz="1200" kern="1200">
+        <a:solidFill>
+          <a:schemeClr val="tx1"/>
+        </a:solidFill>
+        <a:latin typeface="+mn-lt"/>
+        <a:ea typeface="+mn-ea"/>
+        <a:cs typeface="+mn-cs"/>
+      </a:defRPr>
+    </a:lvl5pPr>
+    <a:lvl6pPr marL="2286000" algn="l" defTabSz="914400" rtl="0" eaLnBrk="1" latinLnBrk="0" hangingPunct="1">
+      <a:defRPr sz="1200" kern="1200">
+        <a:solidFill>
+          <a:schemeClr val="tx1"/>
+        </a:solidFill>
+        <a:latin typeface="+mn-lt"/>
+        <a:ea typeface="+mn-ea"/>
+        <a:cs typeface="+mn-cs"/>
+      </a:defRPr>
+    </a:lvl6pPr>
+    <a:lvl7pPr marL="2743200" algn="l" defTabSz="914400" rtl="0" eaLnBrk="1" latinLnBrk="0" hangingPunct="1">
+      <a:defRPr sz="1200" kern="1200">
+        <a:solidFill>
+          <a:schemeClr val="tx1"/>
+        </a:solidFill>
+        <a:latin typeface="+mn-lt"/>
+        <a:ea typeface="+mn-ea"/>
+        <a:cs typeface="+mn-cs"/>
+      </a:defRPr>
+    </a:lvl7pPr>
+    <a:lvl8pPr marL="3200400" algn="l" defTabSz="914400" rtl="0" eaLnBrk="1" latinLnBrk="0" hangingPunct="1">
+      <a:defRPr sz="1200" kern="1200">
+        <a:solidFill>
+          <a:schemeClr val="tx1"/>
+        </a:solidFill>
+        <a:latin typeface="+mn-lt"/>
+        <a:ea typeface="+mn-ea"/>
+        <a:cs typeface="+mn-cs"/>
+      </a:defRPr>
+    </a:lvl8pPr>
+    <a:lvl9pPr marL="3657600" algn="l" defTabSz="914400" rtl="0" eaLnBrk="1" latinLnBrk="0" hangingPunct="1">
+      <a:defRPr sz="1200" kern="1200">
+        <a:solidFill>
+          <a:schemeClr val="tx1"/>
+        </a:solidFill>
+        <a:latin typeface="+mn-lt"/>
+        <a:ea typeface="+mn-ea"/>
+        <a:cs typeface="+mn-cs"/>
+      </a:defRPr>
+    </a:lvl9pPr>
+  </p:notesStyle>
+</p:notesMaster>
 </file>
 
 <file path=ppt/slideLayouts/slideLayout1.xml><?xml version="1.0" encoding="utf-8"?>
@@ -247,7 +659,7 @@
           <a:p>
             <a:fld id="{BAD960F8-9E9A-4819-A90C-113445D903D0}" type="datetimeFigureOut">
               <a:rPr lang="en-GB" smtClean="0"/>
-              <a:t>13/03/2017</a:t>
+              <a:t>14/03/2017</a:t>
             </a:fld>
             <a:endParaRPr lang="en-GB"/>
           </a:p>
@@ -417,7 +829,7 @@
           <a:p>
             <a:fld id="{BAD960F8-9E9A-4819-A90C-113445D903D0}" type="datetimeFigureOut">
               <a:rPr lang="en-GB" smtClean="0"/>
-              <a:t>13/03/2017</a:t>
+              <a:t>14/03/2017</a:t>
             </a:fld>
             <a:endParaRPr lang="en-GB"/>
           </a:p>
@@ -597,7 +1009,7 @@
           <a:p>
             <a:fld id="{BAD960F8-9E9A-4819-A90C-113445D903D0}" type="datetimeFigureOut">
               <a:rPr lang="en-GB" smtClean="0"/>
-              <a:t>13/03/2017</a:t>
+              <a:t>14/03/2017</a:t>
             </a:fld>
             <a:endParaRPr lang="en-GB"/>
           </a:p>
@@ -767,7 +1179,7 @@
           <a:p>
             <a:fld id="{BAD960F8-9E9A-4819-A90C-113445D903D0}" type="datetimeFigureOut">
               <a:rPr lang="en-GB" smtClean="0"/>
-              <a:t>13/03/2017</a:t>
+              <a:t>14/03/2017</a:t>
             </a:fld>
             <a:endParaRPr lang="en-GB"/>
           </a:p>
@@ -1013,7 +1425,7 @@
           <a:p>
             <a:fld id="{BAD960F8-9E9A-4819-A90C-113445D903D0}" type="datetimeFigureOut">
               <a:rPr lang="en-GB" smtClean="0"/>
-              <a:t>13/03/2017</a:t>
+              <a:t>14/03/2017</a:t>
             </a:fld>
             <a:endParaRPr lang="en-GB"/>
           </a:p>
@@ -1245,7 +1657,7 @@
           <a:p>
             <a:fld id="{BAD960F8-9E9A-4819-A90C-113445D903D0}" type="datetimeFigureOut">
               <a:rPr lang="en-GB" smtClean="0"/>
-              <a:t>13/03/2017</a:t>
+              <a:t>14/03/2017</a:t>
             </a:fld>
             <a:endParaRPr lang="en-GB"/>
           </a:p>
@@ -1612,7 +2024,7 @@
           <a:p>
             <a:fld id="{BAD960F8-9E9A-4819-A90C-113445D903D0}" type="datetimeFigureOut">
               <a:rPr lang="en-GB" smtClean="0"/>
-              <a:t>13/03/2017</a:t>
+              <a:t>14/03/2017</a:t>
             </a:fld>
             <a:endParaRPr lang="en-GB"/>
           </a:p>
@@ -1730,7 +2142,7 @@
           <a:p>
             <a:fld id="{BAD960F8-9E9A-4819-A90C-113445D903D0}" type="datetimeFigureOut">
               <a:rPr lang="en-GB" smtClean="0"/>
-              <a:t>13/03/2017</a:t>
+              <a:t>14/03/2017</a:t>
             </a:fld>
             <a:endParaRPr lang="en-GB"/>
           </a:p>
@@ -1825,7 +2237,7 @@
           <a:p>
             <a:fld id="{BAD960F8-9E9A-4819-A90C-113445D903D0}" type="datetimeFigureOut">
               <a:rPr lang="en-GB" smtClean="0"/>
-              <a:t>13/03/2017</a:t>
+              <a:t>14/03/2017</a:t>
             </a:fld>
             <a:endParaRPr lang="en-GB"/>
           </a:p>
@@ -2102,7 +2514,7 @@
           <a:p>
             <a:fld id="{BAD960F8-9E9A-4819-A90C-113445D903D0}" type="datetimeFigureOut">
               <a:rPr lang="en-GB" smtClean="0"/>
-              <a:t>13/03/2017</a:t>
+              <a:t>14/03/2017</a:t>
             </a:fld>
             <a:endParaRPr lang="en-GB"/>
           </a:p>
@@ -2355,7 +2767,7 @@
           <a:p>
             <a:fld id="{BAD960F8-9E9A-4819-A90C-113445D903D0}" type="datetimeFigureOut">
               <a:rPr lang="en-GB" smtClean="0"/>
-              <a:t>13/03/2017</a:t>
+              <a:t>14/03/2017</a:t>
             </a:fld>
             <a:endParaRPr lang="en-GB"/>
           </a:p>
@@ -2576,7 +2988,7 @@
           <a:p>
             <a:fld id="{BAD960F8-9E9A-4819-A90C-113445D903D0}" type="datetimeFigureOut">
               <a:rPr lang="en-GB" smtClean="0"/>
-              <a:t>13/03/2017</a:t>
+              <a:t>14/03/2017</a:t>
             </a:fld>
             <a:endParaRPr lang="en-GB"/>
           </a:p>
@@ -3071,6 +3483,1195 @@
 </p:sld>
 </file>
 
+<file path=ppt/slides/slide10.xml><?xml version="1.0" encoding="utf-8"?>
+<p:sld xmlns:a="http://schemas.openxmlformats.org/drawingml/2006/main" xmlns:r="http://schemas.openxmlformats.org/officeDocument/2006/relationships" xmlns:p="http://schemas.openxmlformats.org/presentationml/2006/main">
+  <p:cSld>
+    <p:spTree>
+      <p:nvGrpSpPr>
+        <p:cNvPr id="1" name=""/>
+        <p:cNvGrpSpPr/>
+        <p:nvPr/>
+      </p:nvGrpSpPr>
+      <p:grpSpPr>
+        <a:xfrm>
+          <a:off x="0" y="0"/>
+          <a:ext cx="0" cy="0"/>
+          <a:chOff x="0" y="0"/>
+          <a:chExt cx="0" cy="0"/>
+        </a:xfrm>
+      </p:grpSpPr>
+      <p:sp>
+        <p:nvSpPr>
+          <p:cNvPr id="2" name="Title 1"/>
+          <p:cNvSpPr>
+            <a:spLocks noGrp="1"/>
+          </p:cNvSpPr>
+          <p:nvPr>
+            <p:ph type="title"/>
+          </p:nvPr>
+        </p:nvSpPr>
+        <p:spPr/>
+        <p:txBody>
+          <a:bodyPr/>
+          <a:lstStyle/>
+          <a:p>
+            <a:r>
+              <a:rPr lang="en-GB" dirty="0"/>
+              <a:t>Program architecture</a:t>
+            </a:r>
+          </a:p>
+        </p:txBody>
+      </p:sp>
+      <p:sp>
+        <p:nvSpPr>
+          <p:cNvPr id="3" name="Content Placeholder 2"/>
+          <p:cNvSpPr>
+            <a:spLocks noGrp="1"/>
+          </p:cNvSpPr>
+          <p:nvPr>
+            <p:ph idx="1"/>
+          </p:nvPr>
+        </p:nvSpPr>
+        <p:spPr/>
+        <p:txBody>
+          <a:bodyPr>
+            <a:normAutofit/>
+          </a:bodyPr>
+          <a:lstStyle/>
+          <a:p>
+            <a:r>
+              <a:rPr lang="en-GB" dirty="0" err="1">
+                <a:latin typeface="CMU Typewriter Text" panose="02000609000000000000" pitchFamily="49" charset="0"/>
+                <a:ea typeface="CMU Typewriter Text" panose="02000609000000000000" pitchFamily="49" charset="0"/>
+                <a:cs typeface="CMU Typewriter Text" panose="02000609000000000000" pitchFamily="49" charset="0"/>
+              </a:rPr>
+              <a:t>bgp.utils.Address</a:t>
+            </a:r>
+            <a:endParaRPr lang="en-GB" dirty="0">
+              <a:latin typeface="CMU Typewriter Text" panose="02000609000000000000" pitchFamily="49" charset="0"/>
+              <a:ea typeface="CMU Typewriter Text" panose="02000609000000000000" pitchFamily="49" charset="0"/>
+              <a:cs typeface="CMU Typewriter Text" panose="02000609000000000000" pitchFamily="49" charset="0"/>
+            </a:endParaRPr>
+          </a:p>
+          <a:p>
+            <a:pPr lvl="1"/>
+            <a:r>
+              <a:rPr lang="en-GB" dirty="0">
+                <a:latin typeface="CMU Typewriter Text" panose="02000609000000000000" pitchFamily="49" charset="0"/>
+                <a:ea typeface="CMU Typewriter Text" panose="02000609000000000000" pitchFamily="49" charset="0"/>
+                <a:cs typeface="CMU Typewriter Text" panose="02000609000000000000" pitchFamily="49" charset="0"/>
+              </a:rPr>
+              <a:t>Address</a:t>
+            </a:r>
+            <a:r>
+              <a:rPr lang="en-GB" dirty="0"/>
+              <a:t> and its subclass </a:t>
+            </a:r>
+            <a:r>
+              <a:rPr lang="en-GB" dirty="0">
+                <a:latin typeface="CMU Typewriter Text" panose="02000609000000000000" pitchFamily="49" charset="0"/>
+                <a:ea typeface="CMU Typewriter Text" panose="02000609000000000000" pitchFamily="49" charset="0"/>
+                <a:cs typeface="CMU Typewriter Text" panose="02000609000000000000" pitchFamily="49" charset="0"/>
+              </a:rPr>
+              <a:t>Subnet</a:t>
+            </a:r>
+            <a:r>
+              <a:rPr lang="en-GB" dirty="0"/>
+              <a:t> represent the IP addresses and subnets, can be converted to byte or long representation</a:t>
+            </a:r>
+          </a:p>
+          <a:p>
+            <a:r>
+              <a:rPr lang="en-GB" dirty="0" err="1">
+                <a:latin typeface="CMU Typewriter Text" panose="02000609000000000000" pitchFamily="49" charset="0"/>
+                <a:ea typeface="CMU Typewriter Text" panose="02000609000000000000" pitchFamily="49" charset="0"/>
+                <a:cs typeface="CMU Typewriter Text" panose="02000609000000000000" pitchFamily="49" charset="0"/>
+              </a:rPr>
+              <a:t>bgp.utils.PacketEngine</a:t>
+            </a:r>
+            <a:endParaRPr lang="en-GB" dirty="0">
+              <a:latin typeface="CMU Typewriter Text" panose="02000609000000000000" pitchFamily="49" charset="0"/>
+              <a:ea typeface="CMU Typewriter Text" panose="02000609000000000000" pitchFamily="49" charset="0"/>
+              <a:cs typeface="CMU Typewriter Text" panose="02000609000000000000" pitchFamily="49" charset="0"/>
+            </a:endParaRPr>
+          </a:p>
+          <a:p>
+            <a:pPr lvl="1"/>
+            <a:r>
+              <a:rPr lang="en-GB" dirty="0"/>
+              <a:t>Functionalities regarding the construction, modification and validation of IPv4 packets</a:t>
+            </a:r>
+          </a:p>
+        </p:txBody>
+      </p:sp>
+    </p:spTree>
+    <p:extLst>
+      <p:ext uri="{BB962C8B-B14F-4D97-AF65-F5344CB8AC3E}">
+        <p14:creationId xmlns:p14="http://schemas.microsoft.com/office/powerpoint/2010/main" val="962570880"/>
+      </p:ext>
+    </p:extLst>
+  </p:cSld>
+  <p:clrMapOvr>
+    <a:masterClrMapping/>
+  </p:clrMapOvr>
+</p:sld>
+</file>
+
+<file path=ppt/slides/slide11.xml><?xml version="1.0" encoding="utf-8"?>
+<p:sld xmlns:a="http://schemas.openxmlformats.org/drawingml/2006/main" xmlns:r="http://schemas.openxmlformats.org/officeDocument/2006/relationships" xmlns:p="http://schemas.openxmlformats.org/presentationml/2006/main">
+  <p:cSld>
+    <p:spTree>
+      <p:nvGrpSpPr>
+        <p:cNvPr id="1" name=""/>
+        <p:cNvGrpSpPr/>
+        <p:nvPr/>
+      </p:nvGrpSpPr>
+      <p:grpSpPr>
+        <a:xfrm>
+          <a:off x="0" y="0"/>
+          <a:ext cx="0" cy="0"/>
+          <a:chOff x="0" y="0"/>
+          <a:chExt cx="0" cy="0"/>
+        </a:xfrm>
+      </p:grpSpPr>
+      <p:sp>
+        <p:nvSpPr>
+          <p:cNvPr id="2" name="Title 1"/>
+          <p:cNvSpPr>
+            <a:spLocks noGrp="1"/>
+          </p:cNvSpPr>
+          <p:nvPr>
+            <p:ph type="title"/>
+          </p:nvPr>
+        </p:nvSpPr>
+        <p:spPr/>
+        <p:txBody>
+          <a:bodyPr/>
+          <a:lstStyle/>
+          <a:p>
+            <a:r>
+              <a:rPr lang="en-GB" dirty="0"/>
+              <a:t>BGP session initialization</a:t>
+            </a:r>
+          </a:p>
+        </p:txBody>
+      </p:sp>
+      <p:sp>
+        <p:nvSpPr>
+          <p:cNvPr id="3" name="Content Placeholder 2"/>
+          <p:cNvSpPr>
+            <a:spLocks noGrp="1"/>
+          </p:cNvSpPr>
+          <p:nvPr>
+            <p:ph idx="1"/>
+          </p:nvPr>
+        </p:nvSpPr>
+        <p:spPr/>
+        <p:txBody>
+          <a:bodyPr>
+            <a:normAutofit lnSpcReduction="10000"/>
+          </a:bodyPr>
+          <a:lstStyle/>
+          <a:p>
+            <a:pPr marL="514350" indent="-514350">
+              <a:buFont typeface="+mj-lt"/>
+              <a:buAutoNum type="arabicPeriod"/>
+            </a:pPr>
+            <a:r>
+              <a:rPr lang="en-GB" dirty="0"/>
+              <a:t>Create a new </a:t>
+            </a:r>
+            <a:r>
+              <a:rPr lang="en-GB" dirty="0" err="1">
+                <a:latin typeface="CMU Typewriter Text" panose="02000609000000000000" pitchFamily="49" charset="0"/>
+                <a:ea typeface="CMU Typewriter Text" panose="02000609000000000000" pitchFamily="49" charset="0"/>
+                <a:cs typeface="CMU Typewriter Text" panose="02000609000000000000" pitchFamily="49" charset="0"/>
+              </a:rPr>
+              <a:t>ASConnection</a:t>
+            </a:r>
+            <a:endParaRPr lang="en-GB" dirty="0">
+              <a:latin typeface="CMU Typewriter Text" panose="02000609000000000000" pitchFamily="49" charset="0"/>
+              <a:ea typeface="CMU Typewriter Text" panose="02000609000000000000" pitchFamily="49" charset="0"/>
+              <a:cs typeface="CMU Typewriter Text" panose="02000609000000000000" pitchFamily="49" charset="0"/>
+            </a:endParaRPr>
+          </a:p>
+          <a:p>
+            <a:pPr marL="514350" indent="-514350">
+              <a:buFont typeface="+mj-lt"/>
+              <a:buAutoNum type="arabicPeriod"/>
+            </a:pPr>
+            <a:r>
+              <a:rPr lang="en-GB" dirty="0">
+                <a:latin typeface="CMU Typewriter Text" panose="02000609000000000000" pitchFamily="49" charset="0"/>
+                <a:ea typeface="CMU Typewriter Text" panose="02000609000000000000" pitchFamily="49" charset="0"/>
+                <a:cs typeface="CMU Typewriter Text" panose="02000609000000000000" pitchFamily="49" charset="0"/>
+              </a:rPr>
+              <a:t>Connect the </a:t>
+            </a:r>
+            <a:r>
+              <a:rPr lang="en-GB" dirty="0" err="1">
+                <a:latin typeface="CMU Typewriter Text" panose="02000609000000000000" pitchFamily="49" charset="0"/>
+                <a:ea typeface="CMU Typewriter Text" panose="02000609000000000000" pitchFamily="49" charset="0"/>
+                <a:cs typeface="CMU Typewriter Text" panose="02000609000000000000" pitchFamily="49" charset="0"/>
+              </a:rPr>
+              <a:t>InterRouterInterfaces</a:t>
+            </a:r>
+            <a:r>
+              <a:rPr lang="en-GB" dirty="0">
+                <a:latin typeface="CMU Typewriter Text" panose="02000609000000000000" pitchFamily="49" charset="0"/>
+                <a:ea typeface="CMU Typewriter Text" panose="02000609000000000000" pitchFamily="49" charset="0"/>
+                <a:cs typeface="CMU Typewriter Text" panose="02000609000000000000" pitchFamily="49" charset="0"/>
+              </a:rPr>
+              <a:t>’ streams</a:t>
+            </a:r>
+          </a:p>
+          <a:p>
+            <a:pPr marL="514350" indent="-514350">
+              <a:buFont typeface="+mj-lt"/>
+              <a:buAutoNum type="arabicPeriod"/>
+            </a:pPr>
+            <a:r>
+              <a:rPr lang="en-GB" dirty="0">
+                <a:latin typeface="CMU Typewriter Text" panose="02000609000000000000" pitchFamily="49" charset="0"/>
+                <a:ea typeface="CMU Typewriter Text" panose="02000609000000000000" pitchFamily="49" charset="0"/>
+                <a:cs typeface="CMU Typewriter Text" panose="02000609000000000000" pitchFamily="49" charset="0"/>
+              </a:rPr>
+              <a:t>S</a:t>
+            </a:r>
+            <a:r>
+              <a:rPr lang="en-GB" dirty="0"/>
+              <a:t>et the FSM to state </a:t>
+            </a:r>
+            <a:r>
+              <a:rPr lang="en-GB" dirty="0">
+                <a:latin typeface="CMU Typewriter Text" panose="02000609000000000000" pitchFamily="49" charset="0"/>
+                <a:ea typeface="CMU Typewriter Text" panose="02000609000000000000" pitchFamily="49" charset="0"/>
+                <a:cs typeface="CMU Typewriter Text" panose="02000609000000000000" pitchFamily="49" charset="0"/>
+              </a:rPr>
+              <a:t>CONNECT</a:t>
+            </a:r>
+          </a:p>
+          <a:p>
+            <a:pPr marL="514350" indent="-514350">
+              <a:buFont typeface="+mj-lt"/>
+              <a:buAutoNum type="arabicPeriod"/>
+            </a:pPr>
+            <a:r>
+              <a:rPr lang="en-GB" dirty="0"/>
+              <a:t>Send an </a:t>
+            </a:r>
+            <a:r>
+              <a:rPr lang="en-GB" dirty="0">
+                <a:latin typeface="CMU Typewriter Text" panose="02000609000000000000" pitchFamily="49" charset="0"/>
+                <a:ea typeface="CMU Typewriter Text" panose="02000609000000000000" pitchFamily="49" charset="0"/>
+                <a:cs typeface="CMU Typewriter Text" panose="02000609000000000000" pitchFamily="49" charset="0"/>
+              </a:rPr>
+              <a:t>OPEN</a:t>
+            </a:r>
+            <a:r>
+              <a:rPr lang="en-GB" dirty="0"/>
+              <a:t> message, retry until a </a:t>
+            </a:r>
+            <a:r>
+              <a:rPr lang="en-GB" dirty="0">
+                <a:latin typeface="CMU Typewriter Text" panose="02000609000000000000" pitchFamily="49" charset="0"/>
+                <a:ea typeface="CMU Typewriter Text" panose="02000609000000000000" pitchFamily="49" charset="0"/>
+                <a:cs typeface="CMU Typewriter Text" panose="02000609000000000000" pitchFamily="49" charset="0"/>
+              </a:rPr>
+              <a:t>KEEPALIVE</a:t>
+            </a:r>
+            <a:r>
+              <a:rPr lang="en-GB" dirty="0"/>
+              <a:t> is received or 10 retries have been done</a:t>
+            </a:r>
+          </a:p>
+          <a:p>
+            <a:pPr marL="514350" indent="-514350">
+              <a:buFont typeface="+mj-lt"/>
+              <a:buAutoNum type="arabicPeriod"/>
+            </a:pPr>
+            <a:r>
+              <a:rPr lang="en-GB" dirty="0"/>
+              <a:t>Wait (independently of the previous steps) for </a:t>
+            </a:r>
+            <a:r>
+              <a:rPr lang="en-GB" dirty="0">
+                <a:latin typeface="CMU Typewriter Text" panose="02000609000000000000" pitchFamily="49" charset="0"/>
+                <a:ea typeface="CMU Typewriter Text" panose="02000609000000000000" pitchFamily="49" charset="0"/>
+                <a:cs typeface="CMU Typewriter Text" panose="02000609000000000000" pitchFamily="49" charset="0"/>
+              </a:rPr>
+              <a:t>OPEN</a:t>
+            </a:r>
+            <a:r>
+              <a:rPr lang="en-GB" dirty="0"/>
+              <a:t> message. Once received, start sending and checking </a:t>
+            </a:r>
+            <a:r>
+              <a:rPr lang="en-GB" dirty="0">
+                <a:latin typeface="CMU Typewriter Text" panose="02000609000000000000" pitchFamily="49" charset="0"/>
+                <a:ea typeface="CMU Typewriter Text" panose="02000609000000000000" pitchFamily="49" charset="0"/>
+                <a:cs typeface="CMU Typewriter Text" panose="02000609000000000000" pitchFamily="49" charset="0"/>
+              </a:rPr>
+              <a:t>KEEPALIVE</a:t>
+            </a:r>
+            <a:r>
+              <a:rPr lang="en-GB" dirty="0"/>
+              <a:t> messages</a:t>
+            </a:r>
+          </a:p>
+          <a:p>
+            <a:pPr marL="514350" indent="-514350">
+              <a:buFont typeface="+mj-lt"/>
+              <a:buAutoNum type="arabicPeriod"/>
+            </a:pPr>
+            <a:r>
+              <a:rPr lang="en-GB" dirty="0"/>
+              <a:t>After </a:t>
+            </a:r>
+            <a:r>
+              <a:rPr lang="en-GB" dirty="0">
+                <a:latin typeface="CMU Typewriter Text" panose="02000609000000000000" pitchFamily="49" charset="0"/>
+                <a:ea typeface="CMU Typewriter Text" panose="02000609000000000000" pitchFamily="49" charset="0"/>
+                <a:cs typeface="CMU Typewriter Text" panose="02000609000000000000" pitchFamily="49" charset="0"/>
+              </a:rPr>
+              <a:t>KEEPALIVE</a:t>
+            </a:r>
+            <a:r>
+              <a:rPr lang="en-GB" dirty="0"/>
+              <a:t> is received, change state to </a:t>
+            </a:r>
+            <a:r>
+              <a:rPr lang="en-GB" dirty="0">
+                <a:latin typeface="CMU Typewriter Text" panose="02000609000000000000" pitchFamily="49" charset="0"/>
+                <a:ea typeface="CMU Typewriter Text" panose="02000609000000000000" pitchFamily="49" charset="0"/>
+                <a:cs typeface="CMU Typewriter Text" panose="02000609000000000000" pitchFamily="49" charset="0"/>
+              </a:rPr>
+              <a:t>ESTABLISHED</a:t>
+            </a:r>
+          </a:p>
+          <a:p>
+            <a:pPr marL="514350" indent="-514350">
+              <a:buFont typeface="+mj-lt"/>
+              <a:buAutoNum type="arabicPeriod"/>
+            </a:pPr>
+            <a:r>
+              <a:rPr lang="en-GB" dirty="0"/>
+              <a:t>Send own routing table information to the other party, start using the connection for packet routing</a:t>
+            </a:r>
+          </a:p>
+        </p:txBody>
+      </p:sp>
+    </p:spTree>
+    <p:extLst>
+      <p:ext uri="{BB962C8B-B14F-4D97-AF65-F5344CB8AC3E}">
+        <p14:creationId xmlns:p14="http://schemas.microsoft.com/office/powerpoint/2010/main" val="375791868"/>
+      </p:ext>
+    </p:extLst>
+  </p:cSld>
+  <p:clrMapOvr>
+    <a:masterClrMapping/>
+  </p:clrMapOvr>
+</p:sld>
+</file>
+
+<file path=ppt/slides/slide12.xml><?xml version="1.0" encoding="utf-8"?>
+<p:sld xmlns:a="http://schemas.openxmlformats.org/drawingml/2006/main" xmlns:r="http://schemas.openxmlformats.org/officeDocument/2006/relationships" xmlns:p="http://schemas.openxmlformats.org/presentationml/2006/main">
+  <p:cSld>
+    <p:spTree>
+      <p:nvGrpSpPr>
+        <p:cNvPr id="1" name=""/>
+        <p:cNvGrpSpPr/>
+        <p:nvPr/>
+      </p:nvGrpSpPr>
+      <p:grpSpPr>
+        <a:xfrm>
+          <a:off x="0" y="0"/>
+          <a:ext cx="0" cy="0"/>
+          <a:chOff x="0" y="0"/>
+          <a:chExt cx="0" cy="0"/>
+        </a:xfrm>
+      </p:grpSpPr>
+      <p:sp>
+        <p:nvSpPr>
+          <p:cNvPr id="2" name="Title 1"/>
+          <p:cNvSpPr>
+            <a:spLocks noGrp="1"/>
+          </p:cNvSpPr>
+          <p:nvPr>
+            <p:ph type="title"/>
+          </p:nvPr>
+        </p:nvSpPr>
+        <p:spPr/>
+        <p:txBody>
+          <a:bodyPr/>
+          <a:lstStyle/>
+          <a:p>
+            <a:r>
+              <a:rPr lang="en-GB" dirty="0"/>
+              <a:t>Routing engine – Decision process</a:t>
+            </a:r>
+          </a:p>
+        </p:txBody>
+      </p:sp>
+      <p:sp>
+        <p:nvSpPr>
+          <p:cNvPr id="3" name="Content Placeholder 2"/>
+          <p:cNvSpPr>
+            <a:spLocks noGrp="1"/>
+          </p:cNvSpPr>
+          <p:nvPr>
+            <p:ph idx="1"/>
+          </p:nvPr>
+        </p:nvSpPr>
+        <p:spPr/>
+        <p:txBody>
+          <a:bodyPr/>
+          <a:lstStyle/>
+          <a:p>
+            <a:pPr marL="0" indent="0">
+              <a:buNone/>
+            </a:pPr>
+            <a:r>
+              <a:rPr lang="en-GB" dirty="0"/>
+              <a:t>Validate the received </a:t>
+            </a:r>
+            <a:r>
+              <a:rPr lang="en-GB" dirty="0">
+                <a:latin typeface="CMU Typewriter Text" panose="02000609000000000000" pitchFamily="49" charset="0"/>
+                <a:ea typeface="CMU Typewriter Text" panose="02000609000000000000" pitchFamily="49" charset="0"/>
+                <a:cs typeface="CMU Typewriter Text" panose="02000609000000000000" pitchFamily="49" charset="0"/>
+              </a:rPr>
+              <a:t>UPDATE</a:t>
+            </a:r>
+            <a:r>
+              <a:rPr lang="en-GB" dirty="0"/>
+              <a:t> message</a:t>
+            </a:r>
+            <a:endParaRPr lang="en-GB" b="1" dirty="0"/>
+          </a:p>
+          <a:p>
+            <a:pPr marL="0" indent="0">
+              <a:buNone/>
+            </a:pPr>
+            <a:r>
+              <a:rPr lang="en-GB" b="1" dirty="0"/>
+              <a:t>FOR EACH </a:t>
+            </a:r>
+            <a:r>
+              <a:rPr lang="en-GB" dirty="0"/>
+              <a:t>withdrawn route</a:t>
+            </a:r>
+          </a:p>
+          <a:p>
+            <a:pPr marL="457200" lvl="1" indent="0">
+              <a:buNone/>
+            </a:pPr>
+            <a:r>
+              <a:rPr lang="en-GB" b="1" dirty="0"/>
+              <a:t>IF</a:t>
+            </a:r>
+            <a:r>
+              <a:rPr lang="en-GB" dirty="0"/>
+              <a:t> exactly matching subnet in routing table is not found</a:t>
+            </a:r>
+          </a:p>
+          <a:p>
+            <a:pPr marL="914400" lvl="2" indent="0">
+              <a:buNone/>
+            </a:pPr>
+            <a:r>
+              <a:rPr lang="en-GB" dirty="0"/>
+              <a:t>Do nothing</a:t>
+            </a:r>
+          </a:p>
+          <a:p>
+            <a:pPr marL="457200" lvl="1" indent="0">
+              <a:buNone/>
+            </a:pPr>
+            <a:r>
+              <a:rPr lang="en-GB" b="1" dirty="0"/>
+              <a:t>ELSE IF</a:t>
+            </a:r>
+            <a:r>
+              <a:rPr lang="en-GB" dirty="0"/>
+              <a:t> the first hop on the </a:t>
+            </a:r>
+            <a:r>
+              <a:rPr lang="en-GB" dirty="0">
+                <a:latin typeface="CMU Typewriter Text" panose="02000609000000000000" pitchFamily="49" charset="0"/>
+                <a:ea typeface="CMU Typewriter Text" panose="02000609000000000000" pitchFamily="49" charset="0"/>
+                <a:cs typeface="CMU Typewriter Text" panose="02000609000000000000" pitchFamily="49" charset="0"/>
+              </a:rPr>
+              <a:t>UPDATE</a:t>
+            </a:r>
+            <a:r>
+              <a:rPr lang="en-GB" dirty="0"/>
+              <a:t> message matches the first hop of current best path</a:t>
+            </a:r>
+          </a:p>
+          <a:p>
+            <a:pPr marL="914400" lvl="2" indent="0">
+              <a:buNone/>
+            </a:pPr>
+            <a:r>
+              <a:rPr lang="en-GB" dirty="0"/>
+              <a:t>Remove the routing information for the subnet</a:t>
+            </a:r>
+          </a:p>
+          <a:p>
+            <a:pPr marL="914400" lvl="2" indent="0">
+              <a:buNone/>
+            </a:pPr>
+            <a:r>
+              <a:rPr lang="en-GB" dirty="0"/>
+              <a:t>Store the subnet to be sent to other neighbours</a:t>
+            </a:r>
+          </a:p>
+          <a:p>
+            <a:pPr marL="457200" lvl="1" indent="0">
+              <a:buNone/>
+            </a:pPr>
+            <a:r>
+              <a:rPr lang="en-GB" b="1" dirty="0"/>
+              <a:t>ELSE</a:t>
+            </a:r>
+          </a:p>
+          <a:p>
+            <a:pPr marL="914400" lvl="2" indent="0">
+              <a:buNone/>
+            </a:pPr>
+            <a:r>
+              <a:rPr lang="en-GB" dirty="0"/>
+              <a:t>Store the information about own best path to revoked subnet to be sent to the revoking peer after processing</a:t>
+            </a:r>
+          </a:p>
+        </p:txBody>
+      </p:sp>
+    </p:spTree>
+    <p:extLst>
+      <p:ext uri="{BB962C8B-B14F-4D97-AF65-F5344CB8AC3E}">
+        <p14:creationId xmlns:p14="http://schemas.microsoft.com/office/powerpoint/2010/main" val="2071480705"/>
+      </p:ext>
+    </p:extLst>
+  </p:cSld>
+  <p:clrMapOvr>
+    <a:masterClrMapping/>
+  </p:clrMapOvr>
+</p:sld>
+</file>
+
+<file path=ppt/slides/slide13.xml><?xml version="1.0" encoding="utf-8"?>
+<p:sld xmlns:a="http://schemas.openxmlformats.org/drawingml/2006/main" xmlns:r="http://schemas.openxmlformats.org/officeDocument/2006/relationships" xmlns:p="http://schemas.openxmlformats.org/presentationml/2006/main">
+  <p:cSld>
+    <p:spTree>
+      <p:nvGrpSpPr>
+        <p:cNvPr id="1" name=""/>
+        <p:cNvGrpSpPr/>
+        <p:nvPr/>
+      </p:nvGrpSpPr>
+      <p:grpSpPr>
+        <a:xfrm>
+          <a:off x="0" y="0"/>
+          <a:ext cx="0" cy="0"/>
+          <a:chOff x="0" y="0"/>
+          <a:chExt cx="0" cy="0"/>
+        </a:xfrm>
+      </p:grpSpPr>
+      <p:sp>
+        <p:nvSpPr>
+          <p:cNvPr id="2" name="Title 1"/>
+          <p:cNvSpPr>
+            <a:spLocks noGrp="1"/>
+          </p:cNvSpPr>
+          <p:nvPr>
+            <p:ph type="title"/>
+          </p:nvPr>
+        </p:nvSpPr>
+        <p:spPr/>
+        <p:txBody>
+          <a:bodyPr/>
+          <a:lstStyle/>
+          <a:p>
+            <a:r>
+              <a:rPr lang="en-GB" dirty="0"/>
+              <a:t>Routing engine – Decision process</a:t>
+            </a:r>
+          </a:p>
+        </p:txBody>
+      </p:sp>
+      <p:sp>
+        <p:nvSpPr>
+          <p:cNvPr id="3" name="Content Placeholder 2"/>
+          <p:cNvSpPr>
+            <a:spLocks noGrp="1"/>
+          </p:cNvSpPr>
+          <p:nvPr>
+            <p:ph idx="1"/>
+          </p:nvPr>
+        </p:nvSpPr>
+        <p:spPr/>
+        <p:txBody>
+          <a:bodyPr>
+            <a:normAutofit/>
+          </a:bodyPr>
+          <a:lstStyle/>
+          <a:p>
+            <a:pPr marL="0" indent="0">
+              <a:buNone/>
+            </a:pPr>
+            <a:r>
+              <a:rPr lang="en-GB" b="1" dirty="0"/>
+              <a:t>FOR EACH</a:t>
+            </a:r>
+            <a:r>
+              <a:rPr lang="en-GB" dirty="0"/>
+              <a:t> NLRI row</a:t>
+            </a:r>
+          </a:p>
+          <a:p>
+            <a:pPr marL="457200" lvl="1" indent="0">
+              <a:buNone/>
+            </a:pPr>
+            <a:r>
+              <a:rPr lang="en-GB" b="1" dirty="0"/>
+              <a:t>IF</a:t>
+            </a:r>
+            <a:r>
+              <a:rPr lang="en-GB" dirty="0"/>
+              <a:t> no exact subnet match is found from routing table</a:t>
+            </a:r>
+          </a:p>
+          <a:p>
+            <a:pPr marL="914400" lvl="2" indent="0">
+              <a:buNone/>
+            </a:pPr>
+            <a:r>
+              <a:rPr lang="en-GB" dirty="0"/>
+              <a:t>Create a new subnet node to routing table with sending router as first hop</a:t>
+            </a:r>
+          </a:p>
+          <a:p>
+            <a:pPr marL="457200" lvl="1" indent="0">
+              <a:buNone/>
+            </a:pPr>
+            <a:r>
+              <a:rPr lang="en-GB" b="1" dirty="0"/>
+              <a:t>ELSE IF</a:t>
+            </a:r>
+            <a:r>
+              <a:rPr lang="en-GB" dirty="0"/>
+              <a:t> local preference values of existing and new routes’ first hops differ</a:t>
+            </a:r>
+          </a:p>
+          <a:p>
+            <a:pPr marL="914400" lvl="2" indent="0">
+              <a:buNone/>
+            </a:pPr>
+            <a:r>
+              <a:rPr lang="en-GB" dirty="0"/>
+              <a:t>Store the preferred route to routing table</a:t>
+            </a:r>
+          </a:p>
+          <a:p>
+            <a:pPr marL="457200" lvl="1" indent="0">
+              <a:buNone/>
+            </a:pPr>
+            <a:r>
+              <a:rPr lang="en-GB" b="1" dirty="0"/>
+              <a:t>ELSE IF</a:t>
+            </a:r>
+            <a:r>
+              <a:rPr lang="en-GB" dirty="0"/>
+              <a:t> trust-scaled path lengths of existing and new routes’ differ</a:t>
+            </a:r>
+          </a:p>
+          <a:p>
+            <a:pPr marL="914400" lvl="2" indent="0">
+              <a:buNone/>
+            </a:pPr>
+            <a:r>
+              <a:rPr lang="en-GB" dirty="0"/>
+              <a:t>Store the shorter route to routing table</a:t>
+            </a:r>
+          </a:p>
+          <a:p>
+            <a:pPr marL="457200" lvl="1" indent="0">
+              <a:buNone/>
+            </a:pPr>
+            <a:r>
+              <a:rPr lang="en-GB" b="1" dirty="0"/>
+              <a:t>IF</a:t>
+            </a:r>
+            <a:r>
+              <a:rPr lang="en-GB" dirty="0"/>
+              <a:t> selected path was changed</a:t>
+            </a:r>
+          </a:p>
+          <a:p>
+            <a:pPr marL="914400" lvl="2" indent="0">
+              <a:buNone/>
+            </a:pPr>
+            <a:r>
+              <a:rPr lang="en-GB" dirty="0"/>
+              <a:t>Store new routing information to be sent to other neighbours</a:t>
+            </a:r>
+          </a:p>
+        </p:txBody>
+      </p:sp>
+    </p:spTree>
+    <p:extLst>
+      <p:ext uri="{BB962C8B-B14F-4D97-AF65-F5344CB8AC3E}">
+        <p14:creationId xmlns:p14="http://schemas.microsoft.com/office/powerpoint/2010/main" val="1861526853"/>
+      </p:ext>
+    </p:extLst>
+  </p:cSld>
+  <p:clrMapOvr>
+    <a:masterClrMapping/>
+  </p:clrMapOvr>
+</p:sld>
+</file>
+
+<file path=ppt/slides/slide14.xml><?xml version="1.0" encoding="utf-8"?>
+<p:sld xmlns:a="http://schemas.openxmlformats.org/drawingml/2006/main" xmlns:r="http://schemas.openxmlformats.org/officeDocument/2006/relationships" xmlns:p="http://schemas.openxmlformats.org/presentationml/2006/main">
+  <p:cSld>
+    <p:spTree>
+      <p:nvGrpSpPr>
+        <p:cNvPr id="1" name=""/>
+        <p:cNvGrpSpPr/>
+        <p:nvPr/>
+      </p:nvGrpSpPr>
+      <p:grpSpPr>
+        <a:xfrm>
+          <a:off x="0" y="0"/>
+          <a:ext cx="0" cy="0"/>
+          <a:chOff x="0" y="0"/>
+          <a:chExt cx="0" cy="0"/>
+        </a:xfrm>
+      </p:grpSpPr>
+      <p:sp>
+        <p:nvSpPr>
+          <p:cNvPr id="2" name="Title 1"/>
+          <p:cNvSpPr>
+            <a:spLocks noGrp="1"/>
+          </p:cNvSpPr>
+          <p:nvPr>
+            <p:ph type="title"/>
+          </p:nvPr>
+        </p:nvSpPr>
+        <p:spPr/>
+        <p:txBody>
+          <a:bodyPr/>
+          <a:lstStyle/>
+          <a:p>
+            <a:r>
+              <a:rPr lang="en-GB" dirty="0"/>
+              <a:t>Routing engine – Decision process</a:t>
+            </a:r>
+          </a:p>
+        </p:txBody>
+      </p:sp>
+      <p:sp>
+        <p:nvSpPr>
+          <p:cNvPr id="3" name="Content Placeholder 2"/>
+          <p:cNvSpPr>
+            <a:spLocks noGrp="1"/>
+          </p:cNvSpPr>
+          <p:nvPr>
+            <p:ph idx="1"/>
+          </p:nvPr>
+        </p:nvSpPr>
+        <p:spPr/>
+        <p:txBody>
+          <a:bodyPr>
+            <a:normAutofit lnSpcReduction="10000"/>
+          </a:bodyPr>
+          <a:lstStyle/>
+          <a:p>
+            <a:pPr marL="0" indent="0">
+              <a:buNone/>
+            </a:pPr>
+            <a:r>
+              <a:rPr lang="en-GB" dirty="0"/>
+              <a:t>Modify the </a:t>
+            </a:r>
+            <a:r>
+              <a:rPr lang="en-GB" dirty="0">
+                <a:latin typeface="CMU Typewriter Text" panose="02000609000000000000" pitchFamily="49" charset="0"/>
+                <a:ea typeface="CMU Typewriter Text" panose="02000609000000000000" pitchFamily="49" charset="0"/>
+                <a:cs typeface="CMU Typewriter Text" panose="02000609000000000000" pitchFamily="49" charset="0"/>
+              </a:rPr>
+              <a:t>UPDATE</a:t>
+            </a:r>
+            <a:r>
+              <a:rPr lang="en-GB" dirty="0"/>
+              <a:t> message:</a:t>
+            </a:r>
+          </a:p>
+          <a:p>
+            <a:pPr marL="457200" lvl="1" indent="0">
+              <a:buNone/>
+            </a:pPr>
+            <a:r>
+              <a:rPr lang="en-GB" dirty="0"/>
+              <a:t>Add own ID to </a:t>
+            </a:r>
+            <a:r>
+              <a:rPr lang="en-GB" dirty="0">
+                <a:latin typeface="CMU Typewriter Text" panose="02000609000000000000" pitchFamily="49" charset="0"/>
+                <a:ea typeface="CMU Typewriter Text" panose="02000609000000000000" pitchFamily="49" charset="0"/>
+                <a:cs typeface="CMU Typewriter Text" panose="02000609000000000000" pitchFamily="49" charset="0"/>
+              </a:rPr>
+              <a:t>AS_PATH</a:t>
+            </a:r>
+          </a:p>
+          <a:p>
+            <a:pPr marL="457200" lvl="1" indent="0">
+              <a:buNone/>
+            </a:pPr>
+            <a:r>
+              <a:rPr lang="en-GB" dirty="0"/>
+              <a:t>Remove revoked routes that caused no changes to routing table</a:t>
+            </a:r>
+          </a:p>
+          <a:p>
+            <a:pPr marL="457200" lvl="1" indent="0">
+              <a:buNone/>
+            </a:pPr>
+            <a:r>
+              <a:rPr lang="en-GB" dirty="0"/>
+              <a:t>Remove NLRI entries that caused no changes to routing table</a:t>
+            </a:r>
+          </a:p>
+          <a:p>
+            <a:pPr marL="0" indent="0">
+              <a:buNone/>
+            </a:pPr>
+            <a:r>
+              <a:rPr lang="en-GB" b="1" dirty="0"/>
+              <a:t>FOR EACH </a:t>
+            </a:r>
+            <a:r>
+              <a:rPr lang="en-GB" dirty="0"/>
+              <a:t>neighbour not in the </a:t>
+            </a:r>
+            <a:r>
+              <a:rPr lang="en-GB" dirty="0">
+                <a:latin typeface="CMU Typewriter Text" panose="02000609000000000000" pitchFamily="49" charset="0"/>
+                <a:ea typeface="CMU Typewriter Text" panose="02000609000000000000" pitchFamily="49" charset="0"/>
+                <a:cs typeface="CMU Typewriter Text" panose="02000609000000000000" pitchFamily="49" charset="0"/>
+              </a:rPr>
+              <a:t>AS_PATH</a:t>
+            </a:r>
+          </a:p>
+          <a:p>
+            <a:pPr marL="457200" lvl="1" indent="0">
+              <a:buNone/>
+            </a:pPr>
+            <a:r>
+              <a:rPr lang="en-GB" dirty="0"/>
+              <a:t>Set </a:t>
+            </a:r>
+            <a:r>
+              <a:rPr lang="en-GB" dirty="0">
+                <a:latin typeface="CMU Typewriter Text" panose="02000609000000000000" pitchFamily="49" charset="0"/>
+                <a:ea typeface="CMU Typewriter Text" panose="02000609000000000000" pitchFamily="49" charset="0"/>
+                <a:cs typeface="CMU Typewriter Text" panose="02000609000000000000" pitchFamily="49" charset="0"/>
+              </a:rPr>
+              <a:t>NEXT_HOP</a:t>
+            </a:r>
+            <a:r>
+              <a:rPr lang="en-GB" dirty="0"/>
+              <a:t> to the address of the interface used to communicate with neighbour</a:t>
+            </a:r>
+          </a:p>
+          <a:p>
+            <a:pPr marL="457200" lvl="1" indent="0">
+              <a:buNone/>
+            </a:pPr>
+            <a:r>
+              <a:rPr lang="en-GB" dirty="0"/>
+              <a:t>Send the </a:t>
+            </a:r>
+            <a:r>
+              <a:rPr lang="en-GB" dirty="0">
+                <a:latin typeface="CMU Typewriter Text" panose="02000609000000000000" pitchFamily="49" charset="0"/>
+                <a:ea typeface="CMU Typewriter Text" panose="02000609000000000000" pitchFamily="49" charset="0"/>
+                <a:cs typeface="CMU Typewriter Text" panose="02000609000000000000" pitchFamily="49" charset="0"/>
+              </a:rPr>
+              <a:t>UPDATE</a:t>
+            </a:r>
+            <a:r>
+              <a:rPr lang="en-GB" dirty="0"/>
+              <a:t> message to neighbour</a:t>
+            </a:r>
+          </a:p>
+          <a:p>
+            <a:pPr marL="0" indent="0">
+              <a:buNone/>
+            </a:pPr>
+            <a:r>
+              <a:rPr lang="en-GB" b="1" dirty="0"/>
+              <a:t>IF</a:t>
+            </a:r>
+            <a:r>
+              <a:rPr lang="en-GB" dirty="0"/>
+              <a:t> withdrawn routes that did not modify routing table exist</a:t>
+            </a:r>
+          </a:p>
+          <a:p>
+            <a:pPr marL="457200" lvl="1" indent="0">
+              <a:buNone/>
+            </a:pPr>
+            <a:r>
+              <a:rPr lang="en-GB" dirty="0"/>
+              <a:t>Send </a:t>
+            </a:r>
+            <a:r>
+              <a:rPr lang="en-GB" dirty="0">
+                <a:latin typeface="CMU Typewriter Text" panose="02000609000000000000" pitchFamily="49" charset="0"/>
+                <a:ea typeface="CMU Typewriter Text" panose="02000609000000000000" pitchFamily="49" charset="0"/>
+                <a:cs typeface="CMU Typewriter Text" panose="02000609000000000000" pitchFamily="49" charset="0"/>
+              </a:rPr>
+              <a:t>UPDATE</a:t>
+            </a:r>
+            <a:r>
+              <a:rPr lang="en-GB" dirty="0"/>
+              <a:t> message containing NLRI for these subnets to the revoking neighbour</a:t>
+            </a:r>
+          </a:p>
+        </p:txBody>
+      </p:sp>
+    </p:spTree>
+    <p:extLst>
+      <p:ext uri="{BB962C8B-B14F-4D97-AF65-F5344CB8AC3E}">
+        <p14:creationId xmlns:p14="http://schemas.microsoft.com/office/powerpoint/2010/main" val="420548430"/>
+      </p:ext>
+    </p:extLst>
+  </p:cSld>
+  <p:clrMapOvr>
+    <a:masterClrMapping/>
+  </p:clrMapOvr>
+</p:sld>
+</file>
+
+<file path=ppt/slides/slide15.xml><?xml version="1.0" encoding="utf-8"?>
+<p:sld xmlns:a="http://schemas.openxmlformats.org/drawingml/2006/main" xmlns:r="http://schemas.openxmlformats.org/officeDocument/2006/relationships" xmlns:p="http://schemas.openxmlformats.org/presentationml/2006/main">
+  <p:cSld>
+    <p:spTree>
+      <p:nvGrpSpPr>
+        <p:cNvPr id="1" name=""/>
+        <p:cNvGrpSpPr/>
+        <p:nvPr/>
+      </p:nvGrpSpPr>
+      <p:grpSpPr>
+        <a:xfrm>
+          <a:off x="0" y="0"/>
+          <a:ext cx="0" cy="0"/>
+          <a:chOff x="0" y="0"/>
+          <a:chExt cx="0" cy="0"/>
+        </a:xfrm>
+      </p:grpSpPr>
+      <p:sp>
+        <p:nvSpPr>
+          <p:cNvPr id="2" name="Title 1"/>
+          <p:cNvSpPr>
+            <a:spLocks noGrp="1"/>
+          </p:cNvSpPr>
+          <p:nvPr>
+            <p:ph type="title"/>
+          </p:nvPr>
+        </p:nvSpPr>
+        <p:spPr/>
+        <p:txBody>
+          <a:bodyPr/>
+          <a:lstStyle/>
+          <a:p>
+            <a:r>
+              <a:rPr lang="en-GB" dirty="0"/>
+              <a:t>Trust implementation</a:t>
+            </a:r>
+          </a:p>
+        </p:txBody>
+      </p:sp>
+      <p:sp>
+        <p:nvSpPr>
+          <p:cNvPr id="3" name="Content Placeholder 2"/>
+          <p:cNvSpPr>
+            <a:spLocks noGrp="1"/>
+          </p:cNvSpPr>
+          <p:nvPr>
+            <p:ph idx="1"/>
+          </p:nvPr>
+        </p:nvSpPr>
+        <p:spPr/>
+        <p:txBody>
+          <a:bodyPr/>
+          <a:lstStyle/>
+          <a:p>
+            <a:r>
+              <a:rPr lang="en-GB" dirty="0"/>
+              <a:t>Each router holds two trust values for each neighbour: inherent trust and voted trust</a:t>
+            </a:r>
+          </a:p>
+          <a:p>
+            <a:r>
+              <a:rPr lang="en-GB" dirty="0"/>
+              <a:t>Stored as values in range -128..127 for easier transmission, scaled to 0..1 when used for path scaling</a:t>
+            </a:r>
+          </a:p>
+          <a:p>
+            <a:r>
+              <a:rPr lang="en-GB" i="1" dirty="0"/>
+              <a:t>Normalized routing criterion with trust rate</a:t>
+            </a:r>
+            <a:r>
+              <a:rPr lang="en-GB" dirty="0"/>
+              <a:t> scaled similarly to He’s solution</a:t>
+            </a:r>
+            <a:r>
+              <a:rPr lang="en-GB" baseline="40000" dirty="0"/>
+              <a:t>1</a:t>
+            </a:r>
+            <a:r>
+              <a:rPr lang="en-GB" dirty="0"/>
+              <a:t>: scaled cost = initial cost / trust rate</a:t>
+            </a:r>
+          </a:p>
+          <a:p>
+            <a:r>
+              <a:rPr lang="en-GB" dirty="0"/>
+              <a:t>Trust rate is the weighted average of inherent and voted trust</a:t>
+            </a:r>
+          </a:p>
+          <a:p>
+            <a:r>
+              <a:rPr lang="en-GB" dirty="0"/>
+              <a:t>Voted trust is the average of received votes on the neighbour</a:t>
+            </a:r>
+          </a:p>
+          <a:p>
+            <a:r>
+              <a:rPr lang="en-GB" dirty="0"/>
+              <a:t>Inherent trust is specified by operator and neighbour behaviour</a:t>
+            </a:r>
+          </a:p>
+        </p:txBody>
+      </p:sp>
+      <p:sp>
+        <p:nvSpPr>
+          <p:cNvPr id="4" name="Footer Placeholder 3"/>
+          <p:cNvSpPr>
+            <a:spLocks noGrp="1"/>
+          </p:cNvSpPr>
+          <p:nvPr>
+            <p:ph type="ftr" sz="quarter" idx="11"/>
+          </p:nvPr>
+        </p:nvSpPr>
+        <p:spPr/>
+        <p:txBody>
+          <a:bodyPr/>
+          <a:lstStyle/>
+          <a:p>
+            <a:r>
+              <a:rPr lang="en-GB" dirty="0"/>
+              <a:t>1. L. He, "A novel scheme on building a trusted IP routing infrastructure", 2006</a:t>
+            </a:r>
+          </a:p>
+        </p:txBody>
+      </p:sp>
+    </p:spTree>
+    <p:extLst>
+      <p:ext uri="{BB962C8B-B14F-4D97-AF65-F5344CB8AC3E}">
+        <p14:creationId xmlns:p14="http://schemas.microsoft.com/office/powerpoint/2010/main" val="570657296"/>
+      </p:ext>
+    </p:extLst>
+  </p:cSld>
+  <p:clrMapOvr>
+    <a:masterClrMapping/>
+  </p:clrMapOvr>
+</p:sld>
+</file>
+
+<file path=ppt/slides/slide16.xml><?xml version="1.0" encoding="utf-8"?>
+<p:sld xmlns:a="http://schemas.openxmlformats.org/drawingml/2006/main" xmlns:r="http://schemas.openxmlformats.org/officeDocument/2006/relationships" xmlns:p="http://schemas.openxmlformats.org/presentationml/2006/main">
+  <p:cSld>
+    <p:spTree>
+      <p:nvGrpSpPr>
+        <p:cNvPr id="1" name=""/>
+        <p:cNvGrpSpPr/>
+        <p:nvPr/>
+      </p:nvGrpSpPr>
+      <p:grpSpPr>
+        <a:xfrm>
+          <a:off x="0" y="0"/>
+          <a:ext cx="0" cy="0"/>
+          <a:chOff x="0" y="0"/>
+          <a:chExt cx="0" cy="0"/>
+        </a:xfrm>
+      </p:grpSpPr>
+      <p:sp>
+        <p:nvSpPr>
+          <p:cNvPr id="2" name="Title 1"/>
+          <p:cNvSpPr>
+            <a:spLocks noGrp="1"/>
+          </p:cNvSpPr>
+          <p:nvPr>
+            <p:ph type="title"/>
+          </p:nvPr>
+        </p:nvSpPr>
+        <p:spPr/>
+        <p:txBody>
+          <a:bodyPr/>
+          <a:lstStyle/>
+          <a:p>
+            <a:r>
+              <a:rPr lang="en-GB" dirty="0"/>
+              <a:t>Trust implementation – Voting</a:t>
+            </a:r>
+          </a:p>
+        </p:txBody>
+      </p:sp>
+      <p:sp>
+        <p:nvSpPr>
+          <p:cNvPr id="3" name="Content Placeholder 2"/>
+          <p:cNvSpPr>
+            <a:spLocks noGrp="1"/>
+          </p:cNvSpPr>
+          <p:nvPr>
+            <p:ph idx="1"/>
+          </p:nvPr>
+        </p:nvSpPr>
+        <p:spPr/>
+        <p:txBody>
+          <a:bodyPr/>
+          <a:lstStyle/>
+          <a:p>
+            <a:r>
+              <a:rPr lang="en-GB" dirty="0"/>
+              <a:t>Voting is done via specific TRUST messages</a:t>
+            </a:r>
+          </a:p>
+          <a:p>
+            <a:r>
+              <a:rPr lang="en-GB" dirty="0"/>
+              <a:t>Messages consist of a flag specifying if they are vote requests or responses, voted ID and target ID. If the vote is a response, the message also contains the vote, encrypted with 1024-bit RSA, and a signature. Keys are provided by the global state.</a:t>
+            </a:r>
+          </a:p>
+        </p:txBody>
+      </p:sp>
+    </p:spTree>
+    <p:extLst>
+      <p:ext uri="{BB962C8B-B14F-4D97-AF65-F5344CB8AC3E}">
+        <p14:creationId xmlns:p14="http://schemas.microsoft.com/office/powerpoint/2010/main" val="1778181020"/>
+      </p:ext>
+    </p:extLst>
+  </p:cSld>
+  <p:clrMapOvr>
+    <a:masterClrMapping/>
+  </p:clrMapOvr>
+</p:sld>
+</file>
+
 <file path=ppt/slides/slide2.xml><?xml version="1.0" encoding="utf-8"?>
 <p:sld xmlns:a="http://schemas.openxmlformats.org/drawingml/2006/main" xmlns:r="http://schemas.openxmlformats.org/officeDocument/2006/relationships" xmlns:p="http://schemas.openxmlformats.org/presentationml/2006/main">
   <p:cSld>
@@ -3501,12 +5102,6 @@
               <a:t>Attacks and vulnerabilities based on TCP features are not present</a:t>
             </a:r>
           </a:p>
-          <a:p>
-            <a:r>
-              <a:rPr lang="en-GB" dirty="0"/>
-              <a:t>No logging present</a:t>
-            </a:r>
-          </a:p>
         </p:txBody>
       </p:sp>
     </p:spTree>
@@ -3576,7 +5171,10 @@
           <a:bodyPr/>
           <a:lstStyle/>
           <a:p>
-            <a:endParaRPr lang="en-GB"/>
+            <a:r>
+              <a:rPr lang="en-GB" dirty="0"/>
+              <a:t>UML HERE</a:t>
+            </a:r>
           </a:p>
         </p:txBody>
       </p:sp>
@@ -3584,6 +5182,640 @@
     <p:extLst>
       <p:ext uri="{BB962C8B-B14F-4D97-AF65-F5344CB8AC3E}">
         <p14:creationId xmlns:p14="http://schemas.microsoft.com/office/powerpoint/2010/main" val="244334150"/>
+      </p:ext>
+    </p:extLst>
+  </p:cSld>
+  <p:clrMapOvr>
+    <a:masterClrMapping/>
+  </p:clrMapOvr>
+</p:sld>
+</file>
+
+<file path=ppt/slides/slide7.xml><?xml version="1.0" encoding="utf-8"?>
+<p:sld xmlns:a="http://schemas.openxmlformats.org/drawingml/2006/main" xmlns:r="http://schemas.openxmlformats.org/officeDocument/2006/relationships" xmlns:p="http://schemas.openxmlformats.org/presentationml/2006/main">
+  <p:cSld>
+    <p:spTree>
+      <p:nvGrpSpPr>
+        <p:cNvPr id="1" name=""/>
+        <p:cNvGrpSpPr/>
+        <p:nvPr/>
+      </p:nvGrpSpPr>
+      <p:grpSpPr>
+        <a:xfrm>
+          <a:off x="0" y="0"/>
+          <a:ext cx="0" cy="0"/>
+          <a:chOff x="0" y="0"/>
+          <a:chExt cx="0" cy="0"/>
+        </a:xfrm>
+      </p:grpSpPr>
+      <p:sp>
+        <p:nvSpPr>
+          <p:cNvPr id="2" name="Title 1"/>
+          <p:cNvSpPr>
+            <a:spLocks noGrp="1"/>
+          </p:cNvSpPr>
+          <p:nvPr>
+            <p:ph type="title"/>
+          </p:nvPr>
+        </p:nvSpPr>
+        <p:spPr/>
+        <p:txBody>
+          <a:bodyPr/>
+          <a:lstStyle/>
+          <a:p>
+            <a:r>
+              <a:rPr lang="en-GB" dirty="0"/>
+              <a:t>Program architecture</a:t>
+            </a:r>
+          </a:p>
+        </p:txBody>
+      </p:sp>
+      <p:sp>
+        <p:nvSpPr>
+          <p:cNvPr id="3" name="Content Placeholder 2"/>
+          <p:cNvSpPr>
+            <a:spLocks noGrp="1"/>
+          </p:cNvSpPr>
+          <p:nvPr>
+            <p:ph idx="1"/>
+          </p:nvPr>
+        </p:nvSpPr>
+        <p:spPr/>
+        <p:txBody>
+          <a:bodyPr/>
+          <a:lstStyle/>
+          <a:p>
+            <a:r>
+              <a:rPr lang="en-GB" dirty="0" err="1">
+                <a:latin typeface="CMU Typewriter Text" panose="02000609000000000000" pitchFamily="49" charset="0"/>
+                <a:ea typeface="CMU Typewriter Text" panose="02000609000000000000" pitchFamily="49" charset="0"/>
+                <a:cs typeface="CMU Typewriter Text" panose="02000609000000000000" pitchFamily="49" charset="0"/>
+              </a:rPr>
+              <a:t>bgp.simulation.SimulatorState</a:t>
+            </a:r>
+            <a:endParaRPr lang="en-GB" dirty="0">
+              <a:latin typeface="CMU Typewriter Text" panose="02000609000000000000" pitchFamily="49" charset="0"/>
+              <a:ea typeface="CMU Typewriter Text" panose="02000609000000000000" pitchFamily="49" charset="0"/>
+              <a:cs typeface="CMU Typewriter Text" panose="02000609000000000000" pitchFamily="49" charset="0"/>
+            </a:endParaRPr>
+          </a:p>
+          <a:p>
+            <a:pPr lvl="1"/>
+            <a:r>
+              <a:rPr lang="en-GB" dirty="0"/>
+              <a:t>Global state; contains router and client registry, DNS-like functionality to map addresses to routers, and PKI-functionality for trust voting</a:t>
+            </a:r>
+          </a:p>
+          <a:p>
+            <a:r>
+              <a:rPr lang="en-GB" dirty="0" err="1">
+                <a:latin typeface="CMU Typewriter Text" panose="02000609000000000000" pitchFamily="49" charset="0"/>
+                <a:ea typeface="CMU Typewriter Text" panose="02000609000000000000" pitchFamily="49" charset="0"/>
+                <a:cs typeface="CMU Typewriter Text" panose="02000609000000000000" pitchFamily="49" charset="0"/>
+              </a:rPr>
+              <a:t>bgp.core.BGPRouter</a:t>
+            </a:r>
+            <a:endParaRPr lang="en-GB" dirty="0">
+              <a:latin typeface="CMU Typewriter Text" panose="02000609000000000000" pitchFamily="49" charset="0"/>
+              <a:ea typeface="CMU Typewriter Text" panose="02000609000000000000" pitchFamily="49" charset="0"/>
+              <a:cs typeface="CMU Typewriter Text" panose="02000609000000000000" pitchFamily="49" charset="0"/>
+            </a:endParaRPr>
+          </a:p>
+          <a:p>
+            <a:pPr lvl="1"/>
+            <a:r>
+              <a:rPr lang="en-GB" dirty="0"/>
+              <a:t>Base class for routers</a:t>
+            </a:r>
+          </a:p>
+          <a:p>
+            <a:pPr lvl="1"/>
+            <a:r>
+              <a:rPr lang="en-GB" dirty="0"/>
+              <a:t>Each instance is given a unique ID and a subnet</a:t>
+            </a:r>
+          </a:p>
+          <a:p>
+            <a:pPr lvl="1"/>
+            <a:r>
+              <a:rPr lang="en-GB" dirty="0"/>
+              <a:t>Provides a DHCP-like functionality to connected clients</a:t>
+            </a:r>
+          </a:p>
+          <a:p>
+            <a:pPr lvl="1"/>
+            <a:r>
+              <a:rPr lang="en-GB" dirty="0"/>
+              <a:t>Contains.</a:t>
+            </a:r>
+          </a:p>
+          <a:p>
+            <a:pPr lvl="2"/>
+            <a:r>
+              <a:rPr lang="en-GB" dirty="0"/>
+              <a:t>A list of </a:t>
+            </a:r>
+            <a:r>
+              <a:rPr lang="en-GB" dirty="0" err="1">
+                <a:latin typeface="CMU Typewriter Text" panose="02000609000000000000" pitchFamily="49" charset="0"/>
+                <a:ea typeface="CMU Typewriter Text" panose="02000609000000000000" pitchFamily="49" charset="0"/>
+                <a:cs typeface="CMU Typewriter Text" panose="02000609000000000000" pitchFamily="49" charset="0"/>
+              </a:rPr>
+              <a:t>ASConnection</a:t>
+            </a:r>
+            <a:r>
+              <a:rPr lang="en-GB" dirty="0"/>
+              <a:t> objects representing the connections to other routers</a:t>
+            </a:r>
+          </a:p>
+          <a:p>
+            <a:pPr lvl="2"/>
+            <a:r>
+              <a:rPr lang="en-GB" dirty="0" err="1">
+                <a:latin typeface="CMU Typewriter Text" panose="02000609000000000000" pitchFamily="49" charset="0"/>
+                <a:ea typeface="CMU Typewriter Text" panose="02000609000000000000" pitchFamily="49" charset="0"/>
+                <a:cs typeface="CMU Typewriter Text" panose="02000609000000000000" pitchFamily="49" charset="0"/>
+              </a:rPr>
+              <a:t>RoutingEngine</a:t>
+            </a:r>
+            <a:r>
+              <a:rPr lang="en-GB" dirty="0"/>
+              <a:t> responsible for routing decisions and routing table</a:t>
+            </a:r>
+          </a:p>
+          <a:p>
+            <a:pPr lvl="2"/>
+            <a:r>
+              <a:rPr lang="en-GB" dirty="0" err="1">
+                <a:latin typeface="CMU Typewriter Text" panose="02000609000000000000" pitchFamily="49" charset="0"/>
+                <a:ea typeface="CMU Typewriter Text" panose="02000609000000000000" pitchFamily="49" charset="0"/>
+                <a:cs typeface="CMU Typewriter Text" panose="02000609000000000000" pitchFamily="49" charset="0"/>
+              </a:rPr>
+              <a:t>TrustEngine</a:t>
+            </a:r>
+            <a:r>
+              <a:rPr lang="en-GB" dirty="0"/>
+              <a:t> responsible for calculating and voting on trust</a:t>
+            </a:r>
+          </a:p>
+        </p:txBody>
+      </p:sp>
+    </p:spTree>
+    <p:extLst>
+      <p:ext uri="{BB962C8B-B14F-4D97-AF65-F5344CB8AC3E}">
+        <p14:creationId xmlns:p14="http://schemas.microsoft.com/office/powerpoint/2010/main" val="3393935019"/>
+      </p:ext>
+    </p:extLst>
+  </p:cSld>
+  <p:clrMapOvr>
+    <a:masterClrMapping/>
+  </p:clrMapOvr>
+</p:sld>
+</file>
+
+<file path=ppt/slides/slide8.xml><?xml version="1.0" encoding="utf-8"?>
+<p:sld xmlns:a="http://schemas.openxmlformats.org/drawingml/2006/main" xmlns:r="http://schemas.openxmlformats.org/officeDocument/2006/relationships" xmlns:p="http://schemas.openxmlformats.org/presentationml/2006/main">
+  <p:cSld>
+    <p:spTree>
+      <p:nvGrpSpPr>
+        <p:cNvPr id="1" name=""/>
+        <p:cNvGrpSpPr/>
+        <p:nvPr/>
+      </p:nvGrpSpPr>
+      <p:grpSpPr>
+        <a:xfrm>
+          <a:off x="0" y="0"/>
+          <a:ext cx="0" cy="0"/>
+          <a:chOff x="0" y="0"/>
+          <a:chExt cx="0" cy="0"/>
+        </a:xfrm>
+      </p:grpSpPr>
+      <p:sp>
+        <p:nvSpPr>
+          <p:cNvPr id="2" name="Title 1"/>
+          <p:cNvSpPr>
+            <a:spLocks noGrp="1"/>
+          </p:cNvSpPr>
+          <p:nvPr>
+            <p:ph type="title"/>
+          </p:nvPr>
+        </p:nvSpPr>
+        <p:spPr/>
+        <p:txBody>
+          <a:bodyPr/>
+          <a:lstStyle/>
+          <a:p>
+            <a:r>
+              <a:rPr lang="en-GB" dirty="0"/>
+              <a:t>Program architecture</a:t>
+            </a:r>
+          </a:p>
+        </p:txBody>
+      </p:sp>
+      <p:sp>
+        <p:nvSpPr>
+          <p:cNvPr id="3" name="Content Placeholder 2"/>
+          <p:cNvSpPr>
+            <a:spLocks noGrp="1"/>
+          </p:cNvSpPr>
+          <p:nvPr>
+            <p:ph idx="1"/>
+          </p:nvPr>
+        </p:nvSpPr>
+        <p:spPr/>
+        <p:txBody>
+          <a:bodyPr>
+            <a:normAutofit lnSpcReduction="10000"/>
+          </a:bodyPr>
+          <a:lstStyle/>
+          <a:p>
+            <a:r>
+              <a:rPr lang="en-GB" dirty="0" err="1">
+                <a:latin typeface="CMU Typewriter Text" panose="02000609000000000000" pitchFamily="49" charset="0"/>
+                <a:ea typeface="CMU Typewriter Text" panose="02000609000000000000" pitchFamily="49" charset="0"/>
+                <a:cs typeface="CMU Typewriter Text" panose="02000609000000000000" pitchFamily="49" charset="0"/>
+              </a:rPr>
+              <a:t>bgp.core.ASConnection</a:t>
+            </a:r>
+            <a:endParaRPr lang="en-GB" dirty="0">
+              <a:latin typeface="CMU Typewriter Text" panose="02000609000000000000" pitchFamily="49" charset="0"/>
+              <a:ea typeface="CMU Typewriter Text" panose="02000609000000000000" pitchFamily="49" charset="0"/>
+              <a:cs typeface="CMU Typewriter Text" panose="02000609000000000000" pitchFamily="49" charset="0"/>
+            </a:endParaRPr>
+          </a:p>
+          <a:p>
+            <a:pPr lvl="1"/>
+            <a:r>
+              <a:rPr lang="en-GB" dirty="0"/>
+              <a:t>Represents a connection to another </a:t>
+            </a:r>
+            <a:r>
+              <a:rPr lang="en-GB" dirty="0" err="1">
+                <a:latin typeface="CMU Typewriter Text" panose="02000609000000000000" pitchFamily="49" charset="0"/>
+                <a:ea typeface="CMU Typewriter Text" panose="02000609000000000000" pitchFamily="49" charset="0"/>
+                <a:cs typeface="CMU Typewriter Text" panose="02000609000000000000" pitchFamily="49" charset="0"/>
+              </a:rPr>
+              <a:t>BGPRouter</a:t>
+            </a:r>
+            <a:endParaRPr lang="en-GB" dirty="0">
+              <a:latin typeface="CMU Typewriter Text" panose="02000609000000000000" pitchFamily="49" charset="0"/>
+              <a:ea typeface="CMU Typewriter Text" panose="02000609000000000000" pitchFamily="49" charset="0"/>
+              <a:cs typeface="CMU Typewriter Text" panose="02000609000000000000" pitchFamily="49" charset="0"/>
+            </a:endParaRPr>
+          </a:p>
+          <a:p>
+            <a:pPr lvl="1"/>
+            <a:r>
+              <a:rPr lang="en-GB" dirty="0"/>
+              <a:t>Contains the finite state machine, and timers for checking and sending </a:t>
+            </a:r>
+            <a:r>
+              <a:rPr lang="en-GB" dirty="0">
+                <a:latin typeface="CMU Typewriter Text" panose="02000609000000000000" pitchFamily="49" charset="0"/>
+                <a:ea typeface="CMU Typewriter Text" panose="02000609000000000000" pitchFamily="49" charset="0"/>
+                <a:cs typeface="CMU Typewriter Text" panose="02000609000000000000" pitchFamily="49" charset="0"/>
+              </a:rPr>
+              <a:t>KEEPALIVE</a:t>
+            </a:r>
+            <a:r>
+              <a:rPr lang="en-GB" dirty="0"/>
+              <a:t> messages</a:t>
+            </a:r>
+          </a:p>
+          <a:p>
+            <a:pPr lvl="1"/>
+            <a:r>
+              <a:rPr lang="en-GB" dirty="0"/>
+              <a:t>Handles the connection initialization process</a:t>
+            </a:r>
+          </a:p>
+          <a:p>
+            <a:pPr lvl="1"/>
+            <a:r>
+              <a:rPr lang="en-GB" dirty="0"/>
+              <a:t>Generates new </a:t>
+            </a:r>
+            <a:r>
+              <a:rPr lang="en-GB" dirty="0">
+                <a:latin typeface="CMU Typewriter Text" panose="02000609000000000000" pitchFamily="49" charset="0"/>
+                <a:ea typeface="CMU Typewriter Text" panose="02000609000000000000" pitchFamily="49" charset="0"/>
+                <a:cs typeface="CMU Typewriter Text" panose="02000609000000000000" pitchFamily="49" charset="0"/>
+              </a:rPr>
+              <a:t>OPEN</a:t>
+            </a:r>
+            <a:r>
+              <a:rPr lang="en-GB" dirty="0"/>
+              <a:t>, </a:t>
+            </a:r>
+            <a:r>
+              <a:rPr lang="en-GB" dirty="0">
+                <a:latin typeface="CMU Typewriter Text" panose="02000609000000000000" pitchFamily="49" charset="0"/>
+                <a:ea typeface="CMU Typewriter Text" panose="02000609000000000000" pitchFamily="49" charset="0"/>
+                <a:cs typeface="CMU Typewriter Text" panose="02000609000000000000" pitchFamily="49" charset="0"/>
+              </a:rPr>
+              <a:t>KEEPALIVE</a:t>
+            </a:r>
+            <a:r>
+              <a:rPr lang="en-GB" dirty="0"/>
+              <a:t> and </a:t>
+            </a:r>
+            <a:r>
+              <a:rPr lang="en-GB" dirty="0">
+                <a:latin typeface="CMU Typewriter Text" panose="02000609000000000000" pitchFamily="49" charset="0"/>
+                <a:ea typeface="CMU Typewriter Text" panose="02000609000000000000" pitchFamily="49" charset="0"/>
+                <a:cs typeface="CMU Typewriter Text" panose="02000609000000000000" pitchFamily="49" charset="0"/>
+              </a:rPr>
+              <a:t>NOTIFICATION</a:t>
+            </a:r>
+            <a:r>
+              <a:rPr lang="en-GB" dirty="0"/>
+              <a:t> messages</a:t>
+            </a:r>
+          </a:p>
+          <a:p>
+            <a:r>
+              <a:rPr lang="en-GB" dirty="0" err="1">
+                <a:latin typeface="CMU Typewriter Text" panose="02000609000000000000" pitchFamily="49" charset="0"/>
+                <a:ea typeface="CMU Typewriter Text" panose="02000609000000000000" pitchFamily="49" charset="0"/>
+                <a:cs typeface="CMU Typewriter Text" panose="02000609000000000000" pitchFamily="49" charset="0"/>
+              </a:rPr>
+              <a:t>bgp.core.network.InterRouterInterface</a:t>
+            </a:r>
+            <a:endParaRPr lang="en-GB" dirty="0">
+              <a:latin typeface="CMU Typewriter Text" panose="02000609000000000000" pitchFamily="49" charset="0"/>
+              <a:ea typeface="CMU Typewriter Text" panose="02000609000000000000" pitchFamily="49" charset="0"/>
+              <a:cs typeface="CMU Typewriter Text" panose="02000609000000000000" pitchFamily="49" charset="0"/>
+            </a:endParaRPr>
+          </a:p>
+          <a:p>
+            <a:pPr lvl="1"/>
+            <a:r>
+              <a:rPr lang="en-GB" dirty="0"/>
+              <a:t>Provides the L1/L2 functionalities for </a:t>
+            </a:r>
+            <a:r>
+              <a:rPr lang="en-GB" dirty="0" err="1">
+                <a:latin typeface="CMU Typewriter Text" panose="02000609000000000000" pitchFamily="49" charset="0"/>
+                <a:ea typeface="CMU Typewriter Text" panose="02000609000000000000" pitchFamily="49" charset="0"/>
+                <a:cs typeface="CMU Typewriter Text" panose="02000609000000000000" pitchFamily="49" charset="0"/>
+              </a:rPr>
+              <a:t>ASConnection</a:t>
+            </a:r>
+            <a:endParaRPr lang="en-GB" dirty="0">
+              <a:latin typeface="CMU Typewriter Text" panose="02000609000000000000" pitchFamily="49" charset="0"/>
+              <a:ea typeface="CMU Typewriter Text" panose="02000609000000000000" pitchFamily="49" charset="0"/>
+              <a:cs typeface="CMU Typewriter Text" panose="02000609000000000000" pitchFamily="49" charset="0"/>
+            </a:endParaRPr>
+          </a:p>
+          <a:p>
+            <a:pPr lvl="1"/>
+            <a:r>
+              <a:rPr lang="en-GB" dirty="0"/>
+              <a:t>Uses Java’s built-in </a:t>
+            </a:r>
+            <a:r>
+              <a:rPr lang="en-GB" dirty="0" err="1">
+                <a:latin typeface="CMU Typewriter Text" panose="02000609000000000000" pitchFamily="49" charset="0"/>
+                <a:ea typeface="CMU Typewriter Text" panose="02000609000000000000" pitchFamily="49" charset="0"/>
+                <a:cs typeface="CMU Typewriter Text" panose="02000609000000000000" pitchFamily="49" charset="0"/>
+              </a:rPr>
+              <a:t>PipedInputStream</a:t>
+            </a:r>
+            <a:r>
+              <a:rPr lang="en-GB" dirty="0"/>
+              <a:t> and </a:t>
+            </a:r>
+            <a:r>
+              <a:rPr lang="en-GB" dirty="0" err="1">
+                <a:latin typeface="CMU Typewriter Text" panose="02000609000000000000" pitchFamily="49" charset="0"/>
+                <a:ea typeface="CMU Typewriter Text" panose="02000609000000000000" pitchFamily="49" charset="0"/>
+                <a:cs typeface="CMU Typewriter Text" panose="02000609000000000000" pitchFamily="49" charset="0"/>
+              </a:rPr>
+              <a:t>PipedOutputStream</a:t>
+            </a:r>
+            <a:r>
+              <a:rPr lang="en-GB" dirty="0"/>
+              <a:t> classes</a:t>
+            </a:r>
+          </a:p>
+          <a:p>
+            <a:pPr lvl="1"/>
+            <a:r>
+              <a:rPr lang="en-GB" dirty="0"/>
+              <a:t>Transfers data as a byte stream, prepended by the length of the packet</a:t>
+            </a:r>
+          </a:p>
+          <a:p>
+            <a:pPr lvl="1"/>
+            <a:r>
+              <a:rPr lang="en-GB" dirty="0"/>
+              <a:t>Passes received packets to </a:t>
+            </a:r>
+            <a:r>
+              <a:rPr lang="en-GB" dirty="0" err="1">
+                <a:latin typeface="CMU Typewriter Text" panose="02000609000000000000" pitchFamily="49" charset="0"/>
+                <a:ea typeface="CMU Typewriter Text" panose="02000609000000000000" pitchFamily="49" charset="0"/>
+                <a:cs typeface="CMU Typewriter Text" panose="02000609000000000000" pitchFamily="49" charset="0"/>
+              </a:rPr>
+              <a:t>BGPRouter</a:t>
+            </a:r>
+            <a:r>
+              <a:rPr lang="en-GB" dirty="0"/>
+              <a:t> for routing</a:t>
+            </a:r>
+          </a:p>
+        </p:txBody>
+      </p:sp>
+    </p:spTree>
+    <p:extLst>
+      <p:ext uri="{BB962C8B-B14F-4D97-AF65-F5344CB8AC3E}">
+        <p14:creationId xmlns:p14="http://schemas.microsoft.com/office/powerpoint/2010/main" val="698691588"/>
+      </p:ext>
+    </p:extLst>
+  </p:cSld>
+  <p:clrMapOvr>
+    <a:masterClrMapping/>
+  </p:clrMapOvr>
+</p:sld>
+</file>
+
+<file path=ppt/slides/slide9.xml><?xml version="1.0" encoding="utf-8"?>
+<p:sld xmlns:a="http://schemas.openxmlformats.org/drawingml/2006/main" xmlns:r="http://schemas.openxmlformats.org/officeDocument/2006/relationships" xmlns:p="http://schemas.openxmlformats.org/presentationml/2006/main">
+  <p:cSld>
+    <p:spTree>
+      <p:nvGrpSpPr>
+        <p:cNvPr id="1" name=""/>
+        <p:cNvGrpSpPr/>
+        <p:nvPr/>
+      </p:nvGrpSpPr>
+      <p:grpSpPr>
+        <a:xfrm>
+          <a:off x="0" y="0"/>
+          <a:ext cx="0" cy="0"/>
+          <a:chOff x="0" y="0"/>
+          <a:chExt cx="0" cy="0"/>
+        </a:xfrm>
+      </p:grpSpPr>
+      <p:sp>
+        <p:nvSpPr>
+          <p:cNvPr id="2" name="Title 1"/>
+          <p:cNvSpPr>
+            <a:spLocks noGrp="1"/>
+          </p:cNvSpPr>
+          <p:nvPr>
+            <p:ph type="title"/>
+          </p:nvPr>
+        </p:nvSpPr>
+        <p:spPr/>
+        <p:txBody>
+          <a:bodyPr/>
+          <a:lstStyle/>
+          <a:p>
+            <a:r>
+              <a:rPr lang="en-GB" dirty="0"/>
+              <a:t>Program architecture</a:t>
+            </a:r>
+          </a:p>
+        </p:txBody>
+      </p:sp>
+      <p:sp>
+        <p:nvSpPr>
+          <p:cNvPr id="3" name="Content Placeholder 2"/>
+          <p:cNvSpPr>
+            <a:spLocks noGrp="1"/>
+          </p:cNvSpPr>
+          <p:nvPr>
+            <p:ph idx="1"/>
+          </p:nvPr>
+        </p:nvSpPr>
+        <p:spPr/>
+        <p:txBody>
+          <a:bodyPr>
+            <a:normAutofit/>
+          </a:bodyPr>
+          <a:lstStyle/>
+          <a:p>
+            <a:r>
+              <a:rPr lang="en-GB" dirty="0" err="1">
+                <a:latin typeface="CMU Typewriter Text" panose="02000609000000000000" pitchFamily="49" charset="0"/>
+                <a:ea typeface="CMU Typewriter Text" panose="02000609000000000000" pitchFamily="49" charset="0"/>
+                <a:cs typeface="CMU Typewriter Text" panose="02000609000000000000" pitchFamily="49" charset="0"/>
+              </a:rPr>
+              <a:t>bgp.core.routing.RoutingEngine</a:t>
+            </a:r>
+            <a:endParaRPr lang="en-GB" dirty="0">
+              <a:latin typeface="CMU Typewriter Text" panose="02000609000000000000" pitchFamily="49" charset="0"/>
+              <a:ea typeface="CMU Typewriter Text" panose="02000609000000000000" pitchFamily="49" charset="0"/>
+              <a:cs typeface="CMU Typewriter Text" panose="02000609000000000000" pitchFamily="49" charset="0"/>
+            </a:endParaRPr>
+          </a:p>
+          <a:p>
+            <a:pPr lvl="1"/>
+            <a:r>
+              <a:rPr lang="en-GB" dirty="0"/>
+              <a:t>Handles </a:t>
+            </a:r>
+            <a:r>
+              <a:rPr lang="en-GB" dirty="0">
+                <a:latin typeface="CMU Typewriter Text" panose="02000609000000000000" pitchFamily="49" charset="0"/>
+                <a:ea typeface="CMU Typewriter Text" panose="02000609000000000000" pitchFamily="49" charset="0"/>
+                <a:cs typeface="CMU Typewriter Text" panose="02000609000000000000" pitchFamily="49" charset="0"/>
+              </a:rPr>
+              <a:t>UPDATE</a:t>
+            </a:r>
+            <a:r>
+              <a:rPr lang="en-GB" dirty="0"/>
+              <a:t> messages, decides the routing paths and keeps up the routing table</a:t>
+            </a:r>
+          </a:p>
+          <a:p>
+            <a:r>
+              <a:rPr lang="en-GB" dirty="0" err="1">
+                <a:latin typeface="CMU Typewriter Text" panose="02000609000000000000" pitchFamily="49" charset="0"/>
+                <a:ea typeface="CMU Typewriter Text" panose="02000609000000000000" pitchFamily="49" charset="0"/>
+                <a:cs typeface="CMU Typewriter Text" panose="02000609000000000000" pitchFamily="49" charset="0"/>
+              </a:rPr>
+              <a:t>bgp.core.trust.TrustEngine</a:t>
+            </a:r>
+            <a:endParaRPr lang="en-GB" dirty="0">
+              <a:latin typeface="CMU Typewriter Text" panose="02000609000000000000" pitchFamily="49" charset="0"/>
+              <a:ea typeface="CMU Typewriter Text" panose="02000609000000000000" pitchFamily="49" charset="0"/>
+              <a:cs typeface="CMU Typewriter Text" panose="02000609000000000000" pitchFamily="49" charset="0"/>
+            </a:endParaRPr>
+          </a:p>
+          <a:p>
+            <a:pPr lvl="1"/>
+            <a:r>
+              <a:rPr lang="en-GB" dirty="0"/>
+              <a:t>Calculates trust values for neighbours, constructs and responds to </a:t>
+            </a:r>
+            <a:r>
+              <a:rPr lang="en-GB" dirty="0">
+                <a:latin typeface="CMU Typewriter Text" panose="02000609000000000000" pitchFamily="49" charset="0"/>
+                <a:ea typeface="CMU Typewriter Text" panose="02000609000000000000" pitchFamily="49" charset="0"/>
+                <a:cs typeface="CMU Typewriter Text" panose="02000609000000000000" pitchFamily="49" charset="0"/>
+              </a:rPr>
+              <a:t>TRUST</a:t>
+            </a:r>
+            <a:r>
+              <a:rPr lang="en-GB" dirty="0"/>
+              <a:t> messages</a:t>
+            </a:r>
+          </a:p>
+          <a:p>
+            <a:r>
+              <a:rPr lang="en-GB" dirty="0" err="1">
+                <a:latin typeface="CMU Typewriter Text" panose="02000609000000000000" pitchFamily="49" charset="0"/>
+                <a:ea typeface="CMU Typewriter Text" panose="02000609000000000000" pitchFamily="49" charset="0"/>
+                <a:cs typeface="CMU Typewriter Text" panose="02000609000000000000" pitchFamily="49" charset="0"/>
+              </a:rPr>
+              <a:t>bgp.client.BGPClient</a:t>
+            </a:r>
+            <a:endParaRPr lang="en-GB" dirty="0">
+              <a:latin typeface="CMU Typewriter Text" panose="02000609000000000000" pitchFamily="49" charset="0"/>
+              <a:ea typeface="CMU Typewriter Text" panose="02000609000000000000" pitchFamily="49" charset="0"/>
+              <a:cs typeface="CMU Typewriter Text" panose="02000609000000000000" pitchFamily="49" charset="0"/>
+            </a:endParaRPr>
+          </a:p>
+          <a:p>
+            <a:pPr lvl="1"/>
+            <a:r>
+              <a:rPr lang="en-GB" dirty="0"/>
+              <a:t>Represents the clients attached to the network for testing purposes</a:t>
+            </a:r>
+          </a:p>
+          <a:p>
+            <a:pPr lvl="1"/>
+            <a:r>
+              <a:rPr lang="en-GB" dirty="0"/>
+              <a:t>Connected to a single </a:t>
+            </a:r>
+            <a:r>
+              <a:rPr lang="en-GB" dirty="0" err="1">
+                <a:latin typeface="CMU Typewriter Text" panose="02000609000000000000" pitchFamily="49" charset="0"/>
+                <a:ea typeface="CMU Typewriter Text" panose="02000609000000000000" pitchFamily="49" charset="0"/>
+                <a:cs typeface="CMU Typewriter Text" panose="02000609000000000000" pitchFamily="49" charset="0"/>
+              </a:rPr>
+              <a:t>BGPRouter</a:t>
+            </a:r>
+            <a:r>
+              <a:rPr lang="en-GB" dirty="0"/>
+              <a:t>, receives an IP address from it</a:t>
+            </a:r>
+          </a:p>
+          <a:p>
+            <a:pPr lvl="1"/>
+            <a:r>
+              <a:rPr lang="en-GB" dirty="0"/>
+              <a:t>Capable of responding to ping requests</a:t>
+            </a:r>
+          </a:p>
+        </p:txBody>
+      </p:sp>
+    </p:spTree>
+    <p:extLst>
+      <p:ext uri="{BB962C8B-B14F-4D97-AF65-F5344CB8AC3E}">
+        <p14:creationId xmlns:p14="http://schemas.microsoft.com/office/powerpoint/2010/main" val="3520098463"/>
       </p:ext>
     </p:extLst>
   </p:cSld>
@@ -3792,4 +6024,299 @@
     </a:ext>
   </a:extLst>
 </a:theme>
+</file>
+
+<file path=ppt/theme/theme2.xml><?xml version="1.0" encoding="utf-8"?>
+<a:theme xmlns:a="http://schemas.openxmlformats.org/drawingml/2006/main" name="Office Theme">
+  <a:themeElements>
+    <a:clrScheme name="Office">
+      <a:dk1>
+        <a:sysClr val="windowText" lastClr="000000"/>
+      </a:dk1>
+      <a:lt1>
+        <a:sysClr val="window" lastClr="FFFFFF"/>
+      </a:lt1>
+      <a:dk2>
+        <a:srgbClr val="44546A"/>
+      </a:dk2>
+      <a:lt2>
+        <a:srgbClr val="E7E6E6"/>
+      </a:lt2>
+      <a:accent1>
+        <a:srgbClr val="4472C4"/>
+      </a:accent1>
+      <a:accent2>
+        <a:srgbClr val="ED7D31"/>
+      </a:accent2>
+      <a:accent3>
+        <a:srgbClr val="A5A5A5"/>
+      </a:accent3>
+      <a:accent4>
+        <a:srgbClr val="FFC000"/>
+      </a:accent4>
+      <a:accent5>
+        <a:srgbClr val="5B9BD5"/>
+      </a:accent5>
+      <a:accent6>
+        <a:srgbClr val="70AD47"/>
+      </a:accent6>
+      <a:hlink>
+        <a:srgbClr val="0563C1"/>
+      </a:hlink>
+      <a:folHlink>
+        <a:srgbClr val="954F72"/>
+      </a:folHlink>
+    </a:clrScheme>
+    <a:fontScheme name="Office">
+      <a:majorFont>
+        <a:latin typeface="Calibri Light" panose="020F0302020204030204"/>
+        <a:ea typeface=""/>
+        <a:cs typeface=""/>
+        <a:font script="Jpan" typeface="游ゴシック Light"/>
+        <a:font script="Hang" typeface="맑은 고딕"/>
+        <a:font script="Hans" typeface="等线 Light"/>
+        <a:font script="Hant" typeface="新細明體"/>
+        <a:font script="Arab" typeface="Times New Roman"/>
+        <a:font script="Hebr" typeface="Times New Roman"/>
+        <a:font script="Thai" typeface="Angsana New"/>
+        <a:font script="Ethi" typeface="Nyala"/>
+        <a:font script="Beng" typeface="Vrinda"/>
+        <a:font script="Gujr" typeface="Shruti"/>
+        <a:font script="Khmr" typeface="MoolBoran"/>
+        <a:font script="Knda" typeface="Tunga"/>
+        <a:font script="Guru" typeface="Raavi"/>
+        <a:font script="Cans" typeface="Euphemia"/>
+        <a:font script="Cher" typeface="Plantagenet Cherokee"/>
+        <a:font script="Yiii" typeface="Microsoft Yi Baiti"/>
+        <a:font script="Tibt" typeface="Microsoft Himalaya"/>
+        <a:font script="Thaa" typeface="MV Boli"/>
+        <a:font script="Deva" typeface="Mangal"/>
+        <a:font script="Telu" typeface="Gautami"/>
+        <a:font script="Taml" typeface="Latha"/>
+        <a:font script="Syrc" typeface="Estrangelo Edessa"/>
+        <a:font script="Orya" typeface="Kalinga"/>
+        <a:font script="Mlym" typeface="Kartika"/>
+        <a:font script="Laoo" typeface="DokChampa"/>
+        <a:font script="Sinh" typeface="Iskoola Pota"/>
+        <a:font script="Mong" typeface="Mongolian Baiti"/>
+        <a:font script="Viet" typeface="Times New Roman"/>
+        <a:font script="Uigh" typeface="Microsoft Uighur"/>
+        <a:font script="Geor" typeface="Sylfaen"/>
+        <a:font script="Armn" typeface="Arial"/>
+        <a:font script="Bugi" typeface="Leelawadee UI"/>
+        <a:font script="Bopo" typeface="Microsoft JhengHei"/>
+        <a:font script="Java" typeface="Javanese Text"/>
+        <a:font script="Lisu" typeface="Segoe UI"/>
+        <a:font script="Mymr" typeface="Myanmar Text"/>
+        <a:font script="Nkoo" typeface="Ebrima"/>
+        <a:font script="Olck" typeface="Nirmala UI"/>
+        <a:font script="Osma" typeface="Ebrima"/>
+        <a:font script="Phag" typeface="Phagspa"/>
+        <a:font script="Syrn" typeface="Estrangelo Edessa"/>
+        <a:font script="Syrj" typeface="Estrangelo Edessa"/>
+        <a:font script="Syre" typeface="Estrangelo Edessa"/>
+        <a:font script="Sora" typeface="Nirmala UI"/>
+        <a:font script="Tale" typeface="Microsoft Tai Le"/>
+        <a:font script="Talu" typeface="Microsoft New Tai Lue"/>
+        <a:font script="Tfng" typeface="Ebrima"/>
+      </a:majorFont>
+      <a:minorFont>
+        <a:latin typeface="Calibri" panose="020F0502020204030204"/>
+        <a:ea typeface=""/>
+        <a:cs typeface=""/>
+        <a:font script="Jpan" typeface="游ゴシック"/>
+        <a:font script="Hang" typeface="맑은 고딕"/>
+        <a:font script="Hans" typeface="等线"/>
+        <a:font script="Hant" typeface="新細明體"/>
+        <a:font script="Arab" typeface="Arial"/>
+        <a:font script="Hebr" typeface="Arial"/>
+        <a:font script="Thai" typeface="Cordia New"/>
+        <a:font script="Ethi" typeface="Nyala"/>
+        <a:font script="Beng" typeface="Vrinda"/>
+        <a:font script="Gujr" typeface="Shruti"/>
+        <a:font script="Khmr" typeface="DaunPenh"/>
+        <a:font script="Knda" typeface="Tunga"/>
+        <a:font script="Guru" typeface="Raavi"/>
+        <a:font script="Cans" typeface="Euphemia"/>
+        <a:font script="Cher" typeface="Plantagenet Cherokee"/>
+        <a:font script="Yiii" typeface="Microsoft Yi Baiti"/>
+        <a:font script="Tibt" typeface="Microsoft Himalaya"/>
+        <a:font script="Thaa" typeface="MV Boli"/>
+        <a:font script="Deva" typeface="Mangal"/>
+        <a:font script="Telu" typeface="Gautami"/>
+        <a:font script="Taml" typeface="Latha"/>
+        <a:font script="Syrc" typeface="Estrangelo Edessa"/>
+        <a:font script="Orya" typeface="Kalinga"/>
+        <a:font script="Mlym" typeface="Kartika"/>
+        <a:font script="Laoo" typeface="DokChampa"/>
+        <a:font script="Sinh" typeface="Iskoola Pota"/>
+        <a:font script="Mong" typeface="Mongolian Baiti"/>
+        <a:font script="Viet" typeface="Arial"/>
+        <a:font script="Uigh" typeface="Microsoft Uighur"/>
+        <a:font script="Geor" typeface="Sylfaen"/>
+        <a:font script="Armn" typeface="Arial"/>
+        <a:font script="Bugi" typeface="Leelawadee UI"/>
+        <a:font script="Bopo" typeface="Microsoft JhengHei"/>
+        <a:font script="Java" typeface="Javanese Text"/>
+        <a:font script="Lisu" typeface="Segoe UI"/>
+        <a:font script="Mymr" typeface="Myanmar Text"/>
+        <a:font script="Nkoo" typeface="Ebrima"/>
+        <a:font script="Olck" typeface="Nirmala UI"/>
+        <a:font script="Osma" typeface="Ebrima"/>
+        <a:font script="Phag" typeface="Phagspa"/>
+        <a:font script="Syrn" typeface="Estrangelo Edessa"/>
+        <a:font script="Syrj" typeface="Estrangelo Edessa"/>
+        <a:font script="Syre" typeface="Estrangelo Edessa"/>
+        <a:font script="Sora" typeface="Nirmala UI"/>
+        <a:font script="Tale" typeface="Microsoft Tai Le"/>
+        <a:font script="Talu" typeface="Microsoft New Tai Lue"/>
+        <a:font script="Tfng" typeface="Ebrima"/>
+      </a:minorFont>
+    </a:fontScheme>
+    <a:fmtScheme name="Office">
+      <a:fillStyleLst>
+        <a:solidFill>
+          <a:schemeClr val="phClr"/>
+        </a:solidFill>
+        <a:gradFill rotWithShape="1">
+          <a:gsLst>
+            <a:gs pos="0">
+              <a:schemeClr val="phClr">
+                <a:lumMod val="110000"/>
+                <a:satMod val="105000"/>
+                <a:tint val="67000"/>
+              </a:schemeClr>
+            </a:gs>
+            <a:gs pos="50000">
+              <a:schemeClr val="phClr">
+                <a:lumMod val="105000"/>
+                <a:satMod val="103000"/>
+                <a:tint val="73000"/>
+              </a:schemeClr>
+            </a:gs>
+            <a:gs pos="100000">
+              <a:schemeClr val="phClr">
+                <a:lumMod val="105000"/>
+                <a:satMod val="109000"/>
+                <a:tint val="81000"/>
+              </a:schemeClr>
+            </a:gs>
+          </a:gsLst>
+          <a:lin ang="5400000" scaled="0"/>
+        </a:gradFill>
+        <a:gradFill rotWithShape="1">
+          <a:gsLst>
+            <a:gs pos="0">
+              <a:schemeClr val="phClr">
+                <a:satMod val="103000"/>
+                <a:lumMod val="102000"/>
+                <a:tint val="94000"/>
+              </a:schemeClr>
+            </a:gs>
+            <a:gs pos="50000">
+              <a:schemeClr val="phClr">
+                <a:satMod val="110000"/>
+                <a:lumMod val="100000"/>
+                <a:shade val="100000"/>
+              </a:schemeClr>
+            </a:gs>
+            <a:gs pos="100000">
+              <a:schemeClr val="phClr">
+                <a:lumMod val="99000"/>
+                <a:satMod val="120000"/>
+                <a:shade val="78000"/>
+              </a:schemeClr>
+            </a:gs>
+          </a:gsLst>
+          <a:lin ang="5400000" scaled="0"/>
+        </a:gradFill>
+      </a:fillStyleLst>
+      <a:lnStyleLst>
+        <a:ln w="6350" cap="flat" cmpd="sng" algn="ctr">
+          <a:solidFill>
+            <a:schemeClr val="phClr"/>
+          </a:solidFill>
+          <a:prstDash val="solid"/>
+          <a:miter lim="800000"/>
+        </a:ln>
+        <a:ln w="12700" cap="flat" cmpd="sng" algn="ctr">
+          <a:solidFill>
+            <a:schemeClr val="phClr"/>
+          </a:solidFill>
+          <a:prstDash val="solid"/>
+          <a:miter lim="800000"/>
+        </a:ln>
+        <a:ln w="19050" cap="flat" cmpd="sng" algn="ctr">
+          <a:solidFill>
+            <a:schemeClr val="phClr"/>
+          </a:solidFill>
+          <a:prstDash val="solid"/>
+          <a:miter lim="800000"/>
+        </a:ln>
+      </a:lnStyleLst>
+      <a:effectStyleLst>
+        <a:effectStyle>
+          <a:effectLst/>
+        </a:effectStyle>
+        <a:effectStyle>
+          <a:effectLst/>
+        </a:effectStyle>
+        <a:effectStyle>
+          <a:effectLst>
+            <a:outerShdw blurRad="57150" dist="19050" dir="5400000" algn="ctr" rotWithShape="0">
+              <a:srgbClr val="000000">
+                <a:alpha val="63000"/>
+              </a:srgbClr>
+            </a:outerShdw>
+          </a:effectLst>
+        </a:effectStyle>
+      </a:effectStyleLst>
+      <a:bgFillStyleLst>
+        <a:solidFill>
+          <a:schemeClr val="phClr"/>
+        </a:solidFill>
+        <a:solidFill>
+          <a:schemeClr val="phClr">
+            <a:tint val="95000"/>
+            <a:satMod val="170000"/>
+          </a:schemeClr>
+        </a:solidFill>
+        <a:gradFill rotWithShape="1">
+          <a:gsLst>
+            <a:gs pos="0">
+              <a:schemeClr val="phClr">
+                <a:tint val="93000"/>
+                <a:satMod val="150000"/>
+                <a:shade val="98000"/>
+                <a:lumMod val="102000"/>
+              </a:schemeClr>
+            </a:gs>
+            <a:gs pos="50000">
+              <a:schemeClr val="phClr">
+                <a:tint val="98000"/>
+                <a:satMod val="130000"/>
+                <a:shade val="90000"/>
+                <a:lumMod val="103000"/>
+              </a:schemeClr>
+            </a:gs>
+            <a:gs pos="100000">
+              <a:schemeClr val="phClr">
+                <a:shade val="63000"/>
+                <a:satMod val="120000"/>
+              </a:schemeClr>
+            </a:gs>
+          </a:gsLst>
+          <a:lin ang="5400000" scaled="0"/>
+        </a:gradFill>
+      </a:bgFillStyleLst>
+    </a:fmtScheme>
+  </a:themeElements>
+  <a:objectDefaults/>
+  <a:extraClrSchemeLst/>
+  <a:extLst>
+    <a:ext uri="{05A4C25C-085E-4340-85A3-A5531E510DB2}">
+      <thm15:themeFamily xmlns:thm15="http://schemas.microsoft.com/office/thememl/2012/main" name="Office Theme" id="{62F939B6-93AF-4DB8-9C6B-D6C7DFDC589F}" vid="{4A3C46E8-61CC-4603-A589-7422A47A8E4A}"/>
+    </a:ext>
+  </a:extLst>
+</a:theme>
 </file>
--- a/doc/BGP Simulator.pptx
+++ b/doc/BGP Simulator.pptx
@@ -5,7 +5,7 @@
     <p:sldMasterId id="2147483648" r:id="rId1"/>
   </p:sldMasterIdLst>
   <p:notesMasterIdLst>
-    <p:notesMasterId r:id="rId18"/>
+    <p:notesMasterId r:id="rId19"/>
   </p:notesMasterIdLst>
   <p:sldIdLst>
     <p:sldId id="256" r:id="rId2"/>
@@ -24,6 +24,7 @@
     <p:sldId id="269" r:id="rId15"/>
     <p:sldId id="270" r:id="rId16"/>
     <p:sldId id="271" r:id="rId17"/>
+    <p:sldId id="272" r:id="rId18"/>
   </p:sldIdLst>
   <p:sldSz cx="12192000" cy="6858000"/>
   <p:notesSz cx="6858000" cy="9144000"/>
@@ -163,6 +164,7 @@
           <p14:sldIdLst>
             <p14:sldId id="270"/>
             <p14:sldId id="271"/>
+            <p14:sldId id="272"/>
           </p14:sldIdLst>
         </p14:section>
       </p14:sectionLst>
@@ -2833,14 +2835,30 @@
   <p:cSld>
     <p:bg>
       <p:bgPr>
-        <a:pattFill prst="pct60">
-          <a:fgClr>
-            <a:srgbClr val="99CCFF"/>
-          </a:fgClr>
-          <a:bgClr>
-            <a:schemeClr val="bg1"/>
-          </a:bgClr>
-        </a:pattFill>
+        <a:gradFill flip="none" rotWithShape="1">
+          <a:gsLst>
+            <a:gs pos="0">
+              <a:schemeClr val="accent5">
+                <a:lumMod val="5000"/>
+                <a:lumOff val="95000"/>
+              </a:schemeClr>
+            </a:gs>
+            <a:gs pos="74000">
+              <a:schemeClr val="accent5">
+                <a:lumMod val="45000"/>
+                <a:lumOff val="55000"/>
+              </a:schemeClr>
+            </a:gs>
+            <a:gs pos="83000">
+              <a:schemeClr val="accent5">
+                <a:lumMod val="45000"/>
+                <a:lumOff val="55000"/>
+              </a:schemeClr>
+            </a:gs>
+          </a:gsLst>
+          <a:lin ang="5400000" scaled="1"/>
+          <a:tileRect/>
+        </a:gradFill>
         <a:effectLst/>
       </p:bgPr>
     </p:bg>
@@ -3669,7 +3687,7 @@
         <p:spPr/>
         <p:txBody>
           <a:bodyPr>
-            <a:normAutofit lnSpcReduction="10000"/>
+            <a:normAutofit fontScale="92500" lnSpcReduction="10000"/>
           </a:bodyPr>
           <a:lstStyle/>
           <a:p>
@@ -3702,7 +3720,6 @@
             </a:pPr>
             <a:r>
               <a:rPr lang="en-GB" dirty="0">
-                <a:latin typeface="CMU Typewriter Text" panose="02000609000000000000" pitchFamily="49" charset="0"/>
                 <a:ea typeface="CMU Typewriter Text" panose="02000609000000000000" pitchFamily="49" charset="0"/>
                 <a:cs typeface="CMU Typewriter Text" panose="02000609000000000000" pitchFamily="49" charset="0"/>
               </a:rPr>
@@ -3710,15 +3727,14 @@
             </a:r>
             <a:r>
               <a:rPr lang="en-GB" dirty="0" err="1">
-                <a:latin typeface="CMU Typewriter Text" panose="02000609000000000000" pitchFamily="49" charset="0"/>
-                <a:ea typeface="CMU Typewriter Text" panose="02000609000000000000" pitchFamily="49" charset="0"/>
-                <a:cs typeface="CMU Typewriter Text" panose="02000609000000000000" pitchFamily="49" charset="0"/>
+                <a:latin typeface="CMU Typewriter Text" panose="02000309000000000000" pitchFamily="50" charset="0"/>
+                <a:ea typeface="CMU Typewriter Text" panose="02000309000000000000" pitchFamily="50" charset="0"/>
+                <a:cs typeface="CMU Typewriter Text" panose="02000309000000000000" pitchFamily="50" charset="0"/>
               </a:rPr>
               <a:t>InterRouterInterfaces</a:t>
             </a:r>
             <a:r>
               <a:rPr lang="en-GB" dirty="0">
-                <a:latin typeface="CMU Typewriter Text" panose="02000609000000000000" pitchFamily="49" charset="0"/>
                 <a:ea typeface="CMU Typewriter Text" panose="02000609000000000000" pitchFamily="49" charset="0"/>
                 <a:cs typeface="CMU Typewriter Text" panose="02000609000000000000" pitchFamily="49" charset="0"/>
               </a:rPr>
@@ -3732,7 +3748,6 @@
             </a:pPr>
             <a:r>
               <a:rPr lang="en-GB" dirty="0">
-                <a:latin typeface="CMU Typewriter Text" panose="02000609000000000000" pitchFamily="49" charset="0"/>
                 <a:ea typeface="CMU Typewriter Text" panose="02000609000000000000" pitchFamily="49" charset="0"/>
                 <a:cs typeface="CMU Typewriter Text" panose="02000609000000000000" pitchFamily="49" charset="0"/>
               </a:rPr>
@@ -4356,9 +4371,9 @@
             </a:r>
             <a:r>
               <a:rPr lang="en-GB" dirty="0">
-                <a:latin typeface="CMU Typewriter Text" panose="02000609000000000000" pitchFamily="49" charset="0"/>
-                <a:ea typeface="CMU Typewriter Text" panose="02000609000000000000" pitchFamily="49" charset="0"/>
-                <a:cs typeface="CMU Typewriter Text" panose="02000609000000000000" pitchFamily="49" charset="0"/>
+                <a:latin typeface="CMU Typewriter Text" panose="02000309000000000000" pitchFamily="50" charset="0"/>
+                <a:ea typeface="CMU Typewriter Text" panose="02000309000000000000" pitchFamily="50" charset="0"/>
+                <a:cs typeface="CMU Typewriter Text" panose="02000309000000000000" pitchFamily="50" charset="0"/>
               </a:rPr>
               <a:t>AS_PATH</a:t>
             </a:r>
@@ -4493,70 +4508,187 @@
           </a:p>
         </p:txBody>
       </p:sp>
-      <p:sp>
-        <p:nvSpPr>
-          <p:cNvPr id="3" name="Content Placeholder 2"/>
-          <p:cNvSpPr>
-            <a:spLocks noGrp="1"/>
-          </p:cNvSpPr>
-          <p:nvPr>
-            <p:ph idx="1"/>
-          </p:nvPr>
-        </p:nvSpPr>
-        <p:spPr/>
-        <p:txBody>
-          <a:bodyPr/>
-          <a:lstStyle/>
-          <a:p>
-            <a:r>
-              <a:rPr lang="en-GB" dirty="0"/>
-              <a:t>Each router holds two trust values for each neighbour: inherent trust and voted trust</a:t>
-            </a:r>
-          </a:p>
-          <a:p>
-            <a:r>
-              <a:rPr lang="en-GB" dirty="0"/>
-              <a:t>Stored as values in range -128..127 for easier transmission, scaled to 0..1 when used for path scaling</a:t>
-            </a:r>
-          </a:p>
-          <a:p>
-            <a:r>
-              <a:rPr lang="en-GB" i="1" dirty="0"/>
-              <a:t>Normalized routing criterion with trust rate</a:t>
-            </a:r>
-            <a:r>
-              <a:rPr lang="en-GB" dirty="0"/>
-              <a:t> scaled similarly to He’s solution</a:t>
-            </a:r>
-            <a:r>
-              <a:rPr lang="en-GB" baseline="40000" dirty="0"/>
-              <a:t>1</a:t>
-            </a:r>
-            <a:r>
-              <a:rPr lang="en-GB" dirty="0"/>
-              <a:t>: scaled cost = initial cost / trust rate</a:t>
-            </a:r>
-          </a:p>
-          <a:p>
-            <a:r>
-              <a:rPr lang="en-GB" dirty="0"/>
-              <a:t>Trust rate is the weighted average of inherent and voted trust</a:t>
-            </a:r>
-          </a:p>
-          <a:p>
-            <a:r>
-              <a:rPr lang="en-GB" dirty="0"/>
-              <a:t>Voted trust is the average of received votes on the neighbour</a:t>
-            </a:r>
-          </a:p>
-          <a:p>
-            <a:r>
-              <a:rPr lang="en-GB" dirty="0"/>
-              <a:t>Inherent trust is specified by operator and neighbour behaviour</a:t>
-            </a:r>
-          </a:p>
-        </p:txBody>
-      </p:sp>
+      <mc:AlternateContent xmlns:mc="http://schemas.openxmlformats.org/markup-compatibility/2006" xmlns:a14="http://schemas.microsoft.com/office/drawing/2010/main">
+        <mc:Choice Requires="a14">
+          <p:sp>
+            <p:nvSpPr>
+              <p:cNvPr id="3" name="Content Placeholder 2"/>
+              <p:cNvSpPr>
+                <a:spLocks noGrp="1"/>
+              </p:cNvSpPr>
+              <p:nvPr>
+                <p:ph idx="1"/>
+              </p:nvPr>
+            </p:nvSpPr>
+            <p:spPr/>
+            <p:txBody>
+              <a:bodyPr>
+                <a:normAutofit lnSpcReduction="10000"/>
+              </a:bodyPr>
+              <a:lstStyle/>
+              <a:p>
+                <a:r>
+                  <a:rPr lang="en-GB" dirty="0"/>
+                  <a:t>Each router holds two trust values for each neighbour: inherent trust and voted trust</a:t>
+                </a:r>
+              </a:p>
+              <a:p>
+                <a:r>
+                  <a:rPr lang="en-GB" dirty="0"/>
+                  <a:t>Stored as values in range -128..127 for easier transmission, scaled to 0..1 when used for path cost calculations</a:t>
+                </a:r>
+              </a:p>
+              <a:p>
+                <a:r>
+                  <a:rPr lang="en-GB" i="1" dirty="0"/>
+                  <a:t>Normalized routing criterion with trust rate</a:t>
+                </a:r>
+                <a:r>
+                  <a:rPr lang="en-GB" dirty="0"/>
+                  <a:t> calculated similarly to He’s solution</a:t>
+                </a:r>
+                <a:r>
+                  <a:rPr lang="en-GB" baseline="40000" dirty="0"/>
+                  <a:t>1</a:t>
+                </a:r>
+                <a:r>
+                  <a:rPr lang="en-GB" dirty="0"/>
+                  <a:t>: </a:t>
+                </a:r>
+                <a14:m>
+                  <m:oMath xmlns:m="http://schemas.openxmlformats.org/officeDocument/2006/math">
+                    <m:r>
+                      <a:rPr lang="en-GB" b="0" i="1" smtClean="0">
+                        <a:latin typeface="Cambria Math" panose="02040503050406030204" pitchFamily="18" charset="0"/>
+                      </a:rPr>
+                      <m:t>𝑠𝑐𝑎𝑙𝑒𝑑</m:t>
+                    </m:r>
+                    <m:r>
+                      <a:rPr lang="en-GB" b="0" i="1" smtClean="0">
+                        <a:latin typeface="Cambria Math" panose="02040503050406030204" pitchFamily="18" charset="0"/>
+                      </a:rPr>
+                      <m:t> </m:t>
+                    </m:r>
+                    <m:r>
+                      <a:rPr lang="en-GB" b="0" i="1" smtClean="0">
+                        <a:latin typeface="Cambria Math" panose="02040503050406030204" pitchFamily="18" charset="0"/>
+                      </a:rPr>
+                      <m:t>𝑐𝑜𝑠𝑡</m:t>
+                    </m:r>
+                    <m:r>
+                      <a:rPr lang="en-GB" b="0" i="1" smtClean="0">
+                        <a:latin typeface="Cambria Math" panose="02040503050406030204" pitchFamily="18" charset="0"/>
+                      </a:rPr>
+                      <m:t>= </m:t>
+                    </m:r>
+                    <m:f>
+                      <m:fPr>
+                        <m:ctrlPr>
+                          <a:rPr lang="en-GB" b="0" i="1" smtClean="0">
+                            <a:latin typeface="Cambria Math" panose="02040503050406030204" pitchFamily="18" charset="0"/>
+                          </a:rPr>
+                        </m:ctrlPr>
+                      </m:fPr>
+                      <m:num>
+                        <m:r>
+                          <a:rPr lang="en-GB" b="0" i="1" smtClean="0">
+                            <a:latin typeface="Cambria Math" panose="02040503050406030204" pitchFamily="18" charset="0"/>
+                          </a:rPr>
+                          <m:t>𝑖𝑛𝑖𝑡𝑖𝑎𝑙</m:t>
+                        </m:r>
+                        <m:r>
+                          <a:rPr lang="en-GB" b="0" i="1" smtClean="0">
+                            <a:latin typeface="Cambria Math" panose="02040503050406030204" pitchFamily="18" charset="0"/>
+                          </a:rPr>
+                          <m:t> </m:t>
+                        </m:r>
+                        <m:r>
+                          <a:rPr lang="en-GB" b="0" i="1" smtClean="0">
+                            <a:latin typeface="Cambria Math" panose="02040503050406030204" pitchFamily="18" charset="0"/>
+                          </a:rPr>
+                          <m:t>𝑐𝑜𝑠𝑡</m:t>
+                        </m:r>
+                      </m:num>
+                      <m:den>
+                        <m:r>
+                          <a:rPr lang="en-GB" b="0" i="1" smtClean="0">
+                            <a:latin typeface="Cambria Math" panose="02040503050406030204" pitchFamily="18" charset="0"/>
+                          </a:rPr>
+                          <m:t>𝑡𝑟𝑢𝑠𝑡</m:t>
+                        </m:r>
+                        <m:r>
+                          <a:rPr lang="en-GB" b="0" i="1" smtClean="0">
+                            <a:latin typeface="Cambria Math" panose="02040503050406030204" pitchFamily="18" charset="0"/>
+                          </a:rPr>
+                          <m:t> </m:t>
+                        </m:r>
+                        <m:r>
+                          <a:rPr lang="en-GB" b="0" i="1" smtClean="0">
+                            <a:latin typeface="Cambria Math" panose="02040503050406030204" pitchFamily="18" charset="0"/>
+                          </a:rPr>
+                          <m:t>𝑟𝑎𝑡𝑒</m:t>
+                        </m:r>
+                      </m:den>
+                    </m:f>
+                  </m:oMath>
+                </a14:m>
+                <a:endParaRPr lang="en-GB" dirty="0"/>
+              </a:p>
+              <a:p>
+                <a:r>
+                  <a:rPr lang="en-GB" dirty="0"/>
+                  <a:t>Trust rate is the weighted average of inherent and voted trust</a:t>
+                </a:r>
+              </a:p>
+              <a:p>
+                <a:r>
+                  <a:rPr lang="en-GB" dirty="0"/>
+                  <a:t>Voted trust is the average of received votes on the neighbour</a:t>
+                </a:r>
+              </a:p>
+              <a:p>
+                <a:r>
+                  <a:rPr lang="en-GB" dirty="0"/>
+                  <a:t>Inherent trust is specified by operator and neighbour behaviour</a:t>
+                </a:r>
+              </a:p>
+            </p:txBody>
+          </p:sp>
+        </mc:Choice>
+        <mc:Fallback xmlns="">
+          <p:sp>
+            <p:nvSpPr>
+              <p:cNvPr id="3" name="Content Placeholder 2"/>
+              <p:cNvSpPr>
+                <a:spLocks noGrp="1" noRot="1" noChangeAspect="1" noMove="1" noResize="1" noEditPoints="1" noAdjustHandles="1" noChangeArrowheads="1" noChangeShapeType="1" noTextEdit="1"/>
+              </p:cNvSpPr>
+              <p:nvPr>
+                <p:ph idx="1"/>
+              </p:nvPr>
+            </p:nvSpPr>
+            <p:spPr>
+              <a:blipFill>
+                <a:blip r:embed="rId2"/>
+                <a:stretch>
+                  <a:fillRect l="-1043" t="-3361" r="-1913"/>
+                </a:stretch>
+              </a:blipFill>
+            </p:spPr>
+            <p:txBody>
+              <a:bodyPr/>
+              <a:lstStyle/>
+              <a:p>
+                <a:r>
+                  <a:rPr lang="fi-FI">
+                    <a:noFill/>
+                  </a:rPr>
+                  <a:t> </a:t>
+                </a:r>
+              </a:p>
+            </p:txBody>
+          </p:sp>
+        </mc:Fallback>
+      </mc:AlternateContent>
       <p:sp>
         <p:nvSpPr>
           <p:cNvPr id="4" name="Footer Placeholder 3"/>
@@ -4648,13 +4780,32 @@
           <a:p>
             <a:r>
               <a:rPr lang="en-GB" dirty="0"/>
-              <a:t>Voting is done via specific TRUST messages</a:t>
-            </a:r>
-          </a:p>
-          <a:p>
-            <a:r>
-              <a:rPr lang="en-GB" dirty="0"/>
-              <a:t>Messages consist of a flag specifying if they are vote requests or responses, voted ID and target ID. If the vote is a response, the message also contains the vote, encrypted with 1024-bit RSA, and a signature. Keys are provided by the global state.</a:t>
+              <a:t>Voting is done via specific </a:t>
+            </a:r>
+            <a:r>
+              <a:rPr lang="en-GB" dirty="0">
+                <a:latin typeface="CMU Typewriter Text" panose="02000309000000000000" pitchFamily="50" charset="0"/>
+                <a:ea typeface="CMU Typewriter Text" panose="02000309000000000000" pitchFamily="50" charset="0"/>
+                <a:cs typeface="CMU Typewriter Text" panose="02000309000000000000" pitchFamily="50" charset="0"/>
+              </a:rPr>
+              <a:t>TRUST</a:t>
+            </a:r>
+            <a:r>
+              <a:rPr lang="en-GB" dirty="0"/>
+              <a:t> messages</a:t>
+            </a:r>
+          </a:p>
+          <a:p>
+            <a:pPr lvl="1"/>
+            <a:r>
+              <a:rPr lang="en-GB" dirty="0"/>
+              <a:t>As no BGP session to the voter is established, the messages are not BGP messages per se, but should be considered as ordinary UDP datagrams</a:t>
+            </a:r>
+          </a:p>
+          <a:p>
+            <a:r>
+              <a:rPr lang="en-GB" dirty="0"/>
+              <a:t>Messages consist of a flag specifying if they are vote requests or responses, voted ID and target ID. If the vote is a response, the message also contains the vote (encrypted using 1024-bit RSA), and a signature. Public keys are provided by the global state.</a:t>
             </a:r>
           </a:p>
         </p:txBody>
@@ -4663,6 +4814,140 @@
     <p:extLst>
       <p:ext uri="{BB962C8B-B14F-4D97-AF65-F5344CB8AC3E}">
         <p14:creationId xmlns:p14="http://schemas.microsoft.com/office/powerpoint/2010/main" val="1778181020"/>
+      </p:ext>
+    </p:extLst>
+  </p:cSld>
+  <p:clrMapOvr>
+    <a:masterClrMapping/>
+  </p:clrMapOvr>
+</p:sld>
+</file>
+
+<file path=ppt/slides/slide17.xml><?xml version="1.0" encoding="utf-8"?>
+<p:sld xmlns:a="http://schemas.openxmlformats.org/drawingml/2006/main" xmlns:r="http://schemas.openxmlformats.org/officeDocument/2006/relationships" xmlns:p="http://schemas.openxmlformats.org/presentationml/2006/main">
+  <p:cSld>
+    <p:spTree>
+      <p:nvGrpSpPr>
+        <p:cNvPr id="1" name=""/>
+        <p:cNvGrpSpPr/>
+        <p:nvPr/>
+      </p:nvGrpSpPr>
+      <p:grpSpPr>
+        <a:xfrm>
+          <a:off x="0" y="0"/>
+          <a:ext cx="0" cy="0"/>
+          <a:chOff x="0" y="0"/>
+          <a:chExt cx="0" cy="0"/>
+        </a:xfrm>
+      </p:grpSpPr>
+      <p:sp>
+        <p:nvSpPr>
+          <p:cNvPr id="2" name="Title 1"/>
+          <p:cNvSpPr>
+            <a:spLocks noGrp="1"/>
+          </p:cNvSpPr>
+          <p:nvPr>
+            <p:ph type="title"/>
+          </p:nvPr>
+        </p:nvSpPr>
+        <p:spPr/>
+        <p:txBody>
+          <a:bodyPr/>
+          <a:lstStyle/>
+          <a:p>
+            <a:r>
+              <a:rPr lang="en-GB" dirty="0"/>
+              <a:t>Trust implementation – Voting</a:t>
+            </a:r>
+          </a:p>
+        </p:txBody>
+      </p:sp>
+      <p:sp>
+        <p:nvSpPr>
+          <p:cNvPr id="3" name="Content Placeholder 2"/>
+          <p:cNvSpPr>
+            <a:spLocks noGrp="1"/>
+          </p:cNvSpPr>
+          <p:nvPr>
+            <p:ph idx="1"/>
+          </p:nvPr>
+        </p:nvSpPr>
+        <p:spPr/>
+        <p:txBody>
+          <a:bodyPr/>
+          <a:lstStyle/>
+          <a:p>
+            <a:r>
+              <a:rPr lang="en-GB" dirty="0"/>
+              <a:t>Voting is triggered by </a:t>
+            </a:r>
+            <a:r>
+              <a:rPr lang="en-GB" dirty="0">
+                <a:latin typeface="CMU Typewriter Text" panose="02000309000000000000" pitchFamily="50" charset="0"/>
+                <a:ea typeface="CMU Typewriter Text" panose="02000309000000000000" pitchFamily="50" charset="0"/>
+                <a:cs typeface="CMU Typewriter Text" panose="02000309000000000000" pitchFamily="50" charset="0"/>
+              </a:rPr>
+              <a:t>UPDATE</a:t>
+            </a:r>
+            <a:r>
+              <a:rPr lang="en-GB" dirty="0"/>
+              <a:t> messages with more than one host in the </a:t>
+            </a:r>
+            <a:r>
+              <a:rPr lang="en-GB" dirty="0">
+                <a:latin typeface="CMU Typewriter Text" panose="02000309000000000000" pitchFamily="50" charset="0"/>
+                <a:ea typeface="CMU Typewriter Text" panose="02000309000000000000" pitchFamily="50" charset="0"/>
+                <a:cs typeface="CMU Typewriter Text" panose="02000309000000000000" pitchFamily="50" charset="0"/>
+              </a:rPr>
+              <a:t>AS_PATH</a:t>
+            </a:r>
+          </a:p>
+          <a:p>
+            <a:pPr lvl="1"/>
+            <a:r>
+              <a:rPr lang="en-GB" dirty="0"/>
+              <a:t>A vote request is sent to the second-order neighbour in the </a:t>
+            </a:r>
+            <a:r>
+              <a:rPr lang="en-GB" dirty="0">
+                <a:latin typeface="CMU Typewriter Text" panose="02000309000000000000" pitchFamily="50" charset="0"/>
+                <a:ea typeface="CMU Typewriter Text" panose="02000309000000000000" pitchFamily="50" charset="0"/>
+                <a:cs typeface="CMU Typewriter Text" panose="02000309000000000000" pitchFamily="50" charset="0"/>
+              </a:rPr>
+              <a:t>AS_PATH</a:t>
+            </a:r>
+            <a:r>
+              <a:rPr lang="en-GB" dirty="0"/>
+              <a:t> list and a token is stored to ensure only one vote per request is accepted</a:t>
+            </a:r>
+          </a:p>
+          <a:p>
+            <a:pPr lvl="1"/>
+            <a:r>
+              <a:rPr lang="en-GB" dirty="0"/>
+              <a:t>The second-order neighbour responds by taking the trust value, padding the single-byte vote with random bits to avoid brute-force attacks, encrypts the vote using requester’s public key, signs the encrypted vote with own private key and sends the response back</a:t>
+            </a:r>
+          </a:p>
+          <a:p>
+            <a:pPr lvl="1"/>
+            <a:r>
+              <a:rPr lang="en-GB" dirty="0"/>
+              <a:t>The original requester checks that the token has not yet been used, validates the signature and decrypts the payload</a:t>
+            </a:r>
+          </a:p>
+          <a:p>
+            <a:pPr lvl="1"/>
+            <a:r>
+              <a:rPr lang="en-GB" dirty="0"/>
+              <a:t>Extracted trust value is then calculated to the averaged voted trust</a:t>
+            </a:r>
+          </a:p>
+        </p:txBody>
+      </p:sp>
+    </p:spTree>
+    <p:extLst>
+      <p:ext uri="{BB962C8B-B14F-4D97-AF65-F5344CB8AC3E}">
+        <p14:creationId xmlns:p14="http://schemas.microsoft.com/office/powerpoint/2010/main" val="3883766071"/>
       </p:ext>
     </p:extLst>
   </p:cSld>
@@ -4753,12 +5038,6 @@
             <a:r>
               <a:rPr lang="en-GB" dirty="0"/>
               <a:t>Trust implementation</a:t>
-            </a:r>
-          </a:p>
-          <a:p>
-            <a:r>
-              <a:rPr lang="en-GB" dirty="0"/>
-              <a:t>Topics for future development</a:t>
             </a:r>
           </a:p>
         </p:txBody>
@@ -5134,50 +5413,64 @@
           <a:chExt cx="0" cy="0"/>
         </a:xfrm>
       </p:grpSpPr>
-      <p:sp>
-        <p:nvSpPr>
-          <p:cNvPr id="2" name="Title 1"/>
-          <p:cNvSpPr>
-            <a:spLocks noGrp="1"/>
-          </p:cNvSpPr>
-          <p:nvPr>
-            <p:ph type="title"/>
-          </p:nvPr>
-        </p:nvSpPr>
-        <p:spPr/>
-        <p:txBody>
-          <a:bodyPr/>
-          <a:lstStyle/>
-          <a:p>
-            <a:r>
-              <a:rPr lang="en-GB" dirty="0"/>
-              <a:t>Program architecture</a:t>
-            </a:r>
-          </a:p>
-        </p:txBody>
-      </p:sp>
-      <p:sp>
-        <p:nvSpPr>
-          <p:cNvPr id="3" name="Content Placeholder 2"/>
-          <p:cNvSpPr>
-            <a:spLocks noGrp="1"/>
-          </p:cNvSpPr>
+      <p:graphicFrame>
+        <p:nvGraphicFramePr>
+          <p:cNvPr id="13" name="Content Placeholder 12"/>
+          <p:cNvGraphicFramePr>
+            <a:graphicFrameLocks noGrp="1" noChangeAspect="1"/>
+          </p:cNvGraphicFramePr>
           <p:nvPr>
             <p:ph idx="1"/>
-          </p:nvPr>
-        </p:nvSpPr>
-        <p:spPr/>
-        <p:txBody>
-          <a:bodyPr/>
-          <a:lstStyle/>
-          <a:p>
-            <a:r>
-              <a:rPr lang="en-GB" dirty="0"/>
-              <a:t>UML HERE</a:t>
-            </a:r>
-          </a:p>
-        </p:txBody>
-      </p:sp>
+            <p:extLst>
+              <p:ext uri="{D42A27DB-BD31-4B8C-83A1-F6EECF244321}">
+                <p14:modId xmlns:p14="http://schemas.microsoft.com/office/powerpoint/2010/main" val="256778321"/>
+              </p:ext>
+            </p:extLst>
+          </p:nvPr>
+        </p:nvGraphicFramePr>
+        <p:xfrm>
+          <a:off x="189276" y="491828"/>
+          <a:ext cx="11820982" cy="6008032"/>
+        </p:xfrm>
+        <a:graphic>
+          <a:graphicData uri="http://schemas.openxmlformats.org/presentationml/2006/ole">
+            <mc:AlternateContent xmlns:mc="http://schemas.openxmlformats.org/markup-compatibility/2006">
+              <mc:Choice xmlns:v="urn:schemas-microsoft-com:vml" Requires="v">
+                <p:oleObj spid="_x0000_s1028" name="Visio" r:id="rId3" imgW="11157416" imgH="5670096" progId="Visio.Drawing.15">
+                  <p:embed/>
+                </p:oleObj>
+              </mc:Choice>
+              <mc:Fallback>
+                <p:oleObj name="Visio" r:id="rId3" imgW="11157416" imgH="5670096" progId="Visio.Drawing.15">
+                  <p:embed/>
+                  <p:pic>
+                    <p:nvPicPr>
+                      <p:cNvPr id="0" name=""/>
+                      <p:cNvPicPr/>
+                      <p:nvPr/>
+                    </p:nvPicPr>
+                    <p:blipFill>
+                      <a:blip r:embed="rId4"/>
+                      <a:stretch>
+                        <a:fillRect/>
+                      </a:stretch>
+                    </p:blipFill>
+                    <p:spPr>
+                      <a:xfrm>
+                        <a:off x="189276" y="491828"/>
+                        <a:ext cx="11820982" cy="6008032"/>
+                      </a:xfrm>
+                      <a:prstGeom prst="rect">
+                        <a:avLst/>
+                      </a:prstGeom>
+                    </p:spPr>
+                  </p:pic>
+                </p:oleObj>
+              </mc:Fallback>
+            </mc:AlternateContent>
+          </a:graphicData>
+        </a:graphic>
+      </p:graphicFrame>
     </p:spTree>
     <p:extLst>
       <p:ext uri="{BB962C8B-B14F-4D97-AF65-F5344CB8AC3E}">

--- a/doc/BGP Simulator.pptx
+++ b/doc/BGP Simulator.pptx
@@ -5,7 +5,7 @@
     <p:sldMasterId id="2147483648" r:id="rId1"/>
   </p:sldMasterIdLst>
   <p:notesMasterIdLst>
-    <p:notesMasterId r:id="rId19"/>
+    <p:notesMasterId r:id="rId20"/>
   </p:notesMasterIdLst>
   <p:sldIdLst>
     <p:sldId id="256" r:id="rId2"/>
@@ -25,6 +25,7 @@
     <p:sldId id="270" r:id="rId16"/>
     <p:sldId id="271" r:id="rId17"/>
     <p:sldId id="272" r:id="rId18"/>
+    <p:sldId id="273" r:id="rId19"/>
   </p:sldIdLst>
   <p:sldSz cx="12192000" cy="6858000"/>
   <p:notesSz cx="6858000" cy="9144000"/>
@@ -165,6 +166,7 @@
             <p14:sldId id="270"/>
             <p14:sldId id="271"/>
             <p14:sldId id="272"/>
+            <p14:sldId id="273"/>
           </p14:sldIdLst>
         </p14:section>
       </p14:sectionLst>
@@ -258,7 +260,7 @@
           <a:p>
             <a:fld id="{6EC00837-BEEF-4277-BDA1-AFAD2839C9D8}" type="datetimeFigureOut">
               <a:rPr lang="en-GB" smtClean="0"/>
-              <a:t>14/03/2017</a:t>
+              <a:t>16/03/2017</a:t>
             </a:fld>
             <a:endParaRPr lang="en-GB"/>
           </a:p>
@@ -661,7 +663,7 @@
           <a:p>
             <a:fld id="{BAD960F8-9E9A-4819-A90C-113445D903D0}" type="datetimeFigureOut">
               <a:rPr lang="en-GB" smtClean="0"/>
-              <a:t>14/03/2017</a:t>
+              <a:t>16/03/2017</a:t>
             </a:fld>
             <a:endParaRPr lang="en-GB"/>
           </a:p>
@@ -831,7 +833,7 @@
           <a:p>
             <a:fld id="{BAD960F8-9E9A-4819-A90C-113445D903D0}" type="datetimeFigureOut">
               <a:rPr lang="en-GB" smtClean="0"/>
-              <a:t>14/03/2017</a:t>
+              <a:t>16/03/2017</a:t>
             </a:fld>
             <a:endParaRPr lang="en-GB"/>
           </a:p>
@@ -1011,7 +1013,7 @@
           <a:p>
             <a:fld id="{BAD960F8-9E9A-4819-A90C-113445D903D0}" type="datetimeFigureOut">
               <a:rPr lang="en-GB" smtClean="0"/>
-              <a:t>14/03/2017</a:t>
+              <a:t>16/03/2017</a:t>
             </a:fld>
             <a:endParaRPr lang="en-GB"/>
           </a:p>
@@ -1181,7 +1183,7 @@
           <a:p>
             <a:fld id="{BAD960F8-9E9A-4819-A90C-113445D903D0}" type="datetimeFigureOut">
               <a:rPr lang="en-GB" smtClean="0"/>
-              <a:t>14/03/2017</a:t>
+              <a:t>16/03/2017</a:t>
             </a:fld>
             <a:endParaRPr lang="en-GB"/>
           </a:p>
@@ -1427,7 +1429,7 @@
           <a:p>
             <a:fld id="{BAD960F8-9E9A-4819-A90C-113445D903D0}" type="datetimeFigureOut">
               <a:rPr lang="en-GB" smtClean="0"/>
-              <a:t>14/03/2017</a:t>
+              <a:t>16/03/2017</a:t>
             </a:fld>
             <a:endParaRPr lang="en-GB"/>
           </a:p>
@@ -1659,7 +1661,7 @@
           <a:p>
             <a:fld id="{BAD960F8-9E9A-4819-A90C-113445D903D0}" type="datetimeFigureOut">
               <a:rPr lang="en-GB" smtClean="0"/>
-              <a:t>14/03/2017</a:t>
+              <a:t>16/03/2017</a:t>
             </a:fld>
             <a:endParaRPr lang="en-GB"/>
           </a:p>
@@ -2026,7 +2028,7 @@
           <a:p>
             <a:fld id="{BAD960F8-9E9A-4819-A90C-113445D903D0}" type="datetimeFigureOut">
               <a:rPr lang="en-GB" smtClean="0"/>
-              <a:t>14/03/2017</a:t>
+              <a:t>16/03/2017</a:t>
             </a:fld>
             <a:endParaRPr lang="en-GB"/>
           </a:p>
@@ -2144,7 +2146,7 @@
           <a:p>
             <a:fld id="{BAD960F8-9E9A-4819-A90C-113445D903D0}" type="datetimeFigureOut">
               <a:rPr lang="en-GB" smtClean="0"/>
-              <a:t>14/03/2017</a:t>
+              <a:t>16/03/2017</a:t>
             </a:fld>
             <a:endParaRPr lang="en-GB"/>
           </a:p>
@@ -2239,7 +2241,7 @@
           <a:p>
             <a:fld id="{BAD960F8-9E9A-4819-A90C-113445D903D0}" type="datetimeFigureOut">
               <a:rPr lang="en-GB" smtClean="0"/>
-              <a:t>14/03/2017</a:t>
+              <a:t>16/03/2017</a:t>
             </a:fld>
             <a:endParaRPr lang="en-GB"/>
           </a:p>
@@ -2516,7 +2518,7 @@
           <a:p>
             <a:fld id="{BAD960F8-9E9A-4819-A90C-113445D903D0}" type="datetimeFigureOut">
               <a:rPr lang="en-GB" smtClean="0"/>
-              <a:t>14/03/2017</a:t>
+              <a:t>16/03/2017</a:t>
             </a:fld>
             <a:endParaRPr lang="en-GB"/>
           </a:p>
@@ -2769,7 +2771,7 @@
           <a:p>
             <a:fld id="{BAD960F8-9E9A-4819-A90C-113445D903D0}" type="datetimeFigureOut">
               <a:rPr lang="en-GB" smtClean="0"/>
-              <a:t>14/03/2017</a:t>
+              <a:t>16/03/2017</a:t>
             </a:fld>
             <a:endParaRPr lang="en-GB"/>
           </a:p>
@@ -3006,7 +3008,7 @@
           <a:p>
             <a:fld id="{BAD960F8-9E9A-4819-A90C-113445D903D0}" type="datetimeFigureOut">
               <a:rPr lang="en-GB" smtClean="0"/>
-              <a:t>14/03/2017</a:t>
+              <a:t>16/03/2017</a:t>
             </a:fld>
             <a:endParaRPr lang="en-GB"/>
           </a:p>
@@ -4957,6 +4959,71 @@
 </p:sld>
 </file>
 
+<file path=ppt/slides/slide18.xml><?xml version="1.0" encoding="utf-8"?>
+<p:sld xmlns:a="http://schemas.openxmlformats.org/drawingml/2006/main" xmlns:r="http://schemas.openxmlformats.org/officeDocument/2006/relationships" xmlns:p="http://schemas.openxmlformats.org/presentationml/2006/main">
+  <p:cSld>
+    <p:spTree>
+      <p:nvGrpSpPr>
+        <p:cNvPr id="1" name=""/>
+        <p:cNvGrpSpPr/>
+        <p:nvPr/>
+      </p:nvGrpSpPr>
+      <p:grpSpPr>
+        <a:xfrm>
+          <a:off x="0" y="0"/>
+          <a:ext cx="0" cy="0"/>
+          <a:chOff x="0" y="0"/>
+          <a:chExt cx="0" cy="0"/>
+        </a:xfrm>
+      </p:grpSpPr>
+      <p:sp>
+        <p:nvSpPr>
+          <p:cNvPr id="8" name="TextBox 7"/>
+          <p:cNvSpPr txBox="1"/>
+          <p:nvPr/>
+        </p:nvSpPr>
+        <p:spPr>
+          <a:xfrm>
+            <a:off x="0" y="3023287"/>
+            <a:ext cx="12192000" cy="1200329"/>
+          </a:xfrm>
+          <a:prstGeom prst="rect">
+            <a:avLst/>
+          </a:prstGeom>
+          <a:noFill/>
+        </p:spPr>
+        <p:txBody>
+          <a:bodyPr wrap="square" rtlCol="0">
+            <a:spAutoFit/>
+          </a:bodyPr>
+          <a:lstStyle/>
+          <a:p>
+            <a:pPr algn="ctr"/>
+            <a:r>
+              <a:rPr lang="en-GB" sz="7200" dirty="0">
+                <a:latin typeface="+mj-lt"/>
+              </a:rPr>
+              <a:t>Demo</a:t>
+            </a:r>
+            <a:endParaRPr lang="fi-FI" sz="7200" dirty="0">
+              <a:latin typeface="+mj-lt"/>
+            </a:endParaRPr>
+          </a:p>
+        </p:txBody>
+      </p:sp>
+    </p:spTree>
+    <p:extLst>
+      <p:ext uri="{BB962C8B-B14F-4D97-AF65-F5344CB8AC3E}">
+        <p14:creationId xmlns:p14="http://schemas.microsoft.com/office/powerpoint/2010/main" val="4265930670"/>
+      </p:ext>
+    </p:extLst>
+  </p:cSld>
+  <p:clrMapOvr>
+    <a:masterClrMapping/>
+  </p:clrMapOvr>
+</p:sld>
+</file>
+
 <file path=ppt/slides/slide2.xml><?xml version="1.0" encoding="utf-8"?>
 <p:sld xmlns:a="http://schemas.openxmlformats.org/drawingml/2006/main" xmlns:r="http://schemas.openxmlformats.org/officeDocument/2006/relationships" xmlns:p="http://schemas.openxmlformats.org/presentationml/2006/main">
   <p:cSld>
@@ -5436,7 +5503,7 @@
           <a:graphicData uri="http://schemas.openxmlformats.org/presentationml/2006/ole">
             <mc:AlternateContent xmlns:mc="http://schemas.openxmlformats.org/markup-compatibility/2006">
               <mc:Choice xmlns:v="urn:schemas-microsoft-com:vml" Requires="v">
-                <p:oleObj spid="_x0000_s1028" name="Visio" r:id="rId3" imgW="11157416" imgH="5670096" progId="Visio.Drawing.15">
+                <p:oleObj spid="_x0000_s1029" name="Visio" r:id="rId3" imgW="11157416" imgH="5670096" progId="Visio.Drawing.15">
                   <p:embed/>
                 </p:oleObj>
               </mc:Choice>
